--- a/slides_hda_project.pptx
+++ b/slides_hda_project.pptx
@@ -249,7 +249,7 @@
           <a:p>
             <a:fld id="{76824F0E-EF00-ED48-9E0B-A8A432D0A8E8}" type="datetimeFigureOut">
               <a:rPr lang="it-IT" smtClean="0"/>
-              <a:t>22/06/18</a:t>
+              <a:t>04/07/18</a:t>
             </a:fld>
             <a:endParaRPr lang="it-IT"/>
           </a:p>
@@ -426,7 +426,7 @@
           <a:p>
             <a:fld id="{00472BE3-30AD-44B6-9AE4-B99D5977AD3D}" type="datetimeFigureOut">
               <a:rPr lang="it-IT" smtClean="0"/>
-              <a:t>22/06/18</a:t>
+              <a:t>04/07/18</a:t>
             </a:fld>
             <a:endParaRPr lang="it-IT"/>
           </a:p>
@@ -2120,7 +2120,7 @@
           <a:p>
             <a:fld id="{71D578BD-D5EC-4F5E-BAA0-C9A897EEFD5B}" type="datetimeFigureOut">
               <a:rPr lang="it-IT" smtClean="0"/>
-              <a:t>22/06/18</a:t>
+              <a:t>04/07/18</a:t>
             </a:fld>
             <a:endParaRPr lang="it-IT"/>
           </a:p>
@@ -2288,7 +2288,7 @@
           <a:p>
             <a:fld id="{71D578BD-D5EC-4F5E-BAA0-C9A897EEFD5B}" type="datetimeFigureOut">
               <a:rPr lang="it-IT" smtClean="0"/>
-              <a:t>22/06/18</a:t>
+              <a:t>04/07/18</a:t>
             </a:fld>
             <a:endParaRPr lang="it-IT"/>
           </a:p>
@@ -2533,7 +2533,7 @@
           <a:p>
             <a:fld id="{71D578BD-D5EC-4F5E-BAA0-C9A897EEFD5B}" type="datetimeFigureOut">
               <a:rPr lang="it-IT" smtClean="0"/>
-              <a:t>22/06/18</a:t>
+              <a:t>04/07/18</a:t>
             </a:fld>
             <a:endParaRPr lang="it-IT"/>
           </a:p>
@@ -2762,7 +2762,7 @@
           <a:p>
             <a:fld id="{71D578BD-D5EC-4F5E-BAA0-C9A897EEFD5B}" type="datetimeFigureOut">
               <a:rPr lang="it-IT" smtClean="0"/>
-              <a:t>22/06/18</a:t>
+              <a:t>04/07/18</a:t>
             </a:fld>
             <a:endParaRPr lang="it-IT"/>
           </a:p>
@@ -3126,7 +3126,7 @@
           <a:p>
             <a:fld id="{71D578BD-D5EC-4F5E-BAA0-C9A897EEFD5B}" type="datetimeFigureOut">
               <a:rPr lang="it-IT" smtClean="0"/>
-              <a:t>22/06/18</a:t>
+              <a:t>04/07/18</a:t>
             </a:fld>
             <a:endParaRPr lang="it-IT"/>
           </a:p>
@@ -3243,7 +3243,7 @@
           <a:p>
             <a:fld id="{71D578BD-D5EC-4F5E-BAA0-C9A897EEFD5B}" type="datetimeFigureOut">
               <a:rPr lang="it-IT" smtClean="0"/>
-              <a:t>22/06/18</a:t>
+              <a:t>04/07/18</a:t>
             </a:fld>
             <a:endParaRPr lang="it-IT"/>
           </a:p>
@@ -3338,7 +3338,7 @@
           <a:p>
             <a:fld id="{71D578BD-D5EC-4F5E-BAA0-C9A897EEFD5B}" type="datetimeFigureOut">
               <a:rPr lang="it-IT" smtClean="0"/>
-              <a:t>22/06/18</a:t>
+              <a:t>04/07/18</a:t>
             </a:fld>
             <a:endParaRPr lang="it-IT"/>
           </a:p>
@@ -3723,7 +3723,7 @@
           <a:p>
             <a:fld id="{71D578BD-D5EC-4F5E-BAA0-C9A897EEFD5B}" type="datetimeFigureOut">
               <a:rPr lang="it-IT" smtClean="0"/>
-              <a:t>22/06/18</a:t>
+              <a:t>04/07/18</a:t>
             </a:fld>
             <a:endParaRPr lang="it-IT"/>
           </a:p>
@@ -3975,7 +3975,7 @@
           <a:p>
             <a:fld id="{71D578BD-D5EC-4F5E-BAA0-C9A897EEFD5B}" type="datetimeFigureOut">
               <a:rPr lang="it-IT" smtClean="0"/>
-              <a:t>22/06/18</a:t>
+              <a:t>04/07/18</a:t>
             </a:fld>
             <a:endParaRPr lang="it-IT"/>
           </a:p>
@@ -4143,7 +4143,7 @@
           <a:p>
             <a:fld id="{71D578BD-D5EC-4F5E-BAA0-C9A897EEFD5B}" type="datetimeFigureOut">
               <a:rPr lang="it-IT" smtClean="0"/>
-              <a:t>22/06/18</a:t>
+              <a:t>04/07/18</a:t>
             </a:fld>
             <a:endParaRPr lang="it-IT"/>
           </a:p>
@@ -4321,7 +4321,7 @@
           <a:p>
             <a:fld id="{71D578BD-D5EC-4F5E-BAA0-C9A897EEFD5B}" type="datetimeFigureOut">
               <a:rPr lang="it-IT" smtClean="0"/>
-              <a:t>22/06/18</a:t>
+              <a:t>04/07/18</a:t>
             </a:fld>
             <a:endParaRPr lang="it-IT"/>
           </a:p>
@@ -6799,7 +6799,7 @@
           <a:p>
             <a:fld id="{71D578BD-D5EC-4F5E-BAA0-C9A897EEFD5B}" type="datetimeFigureOut">
               <a:rPr lang="it-IT" smtClean="0"/>
-              <a:t>22/06/18</a:t>
+              <a:t>04/07/18</a:t>
             </a:fld>
             <a:endParaRPr lang="it-IT"/>
           </a:p>
@@ -7520,12 +7520,20 @@
               <a:t>July</a:t>
             </a:r>
             <a:r>
+              <a:rPr lang="it-IT">
+                <a:latin typeface="+mj-lt"/>
+                <a:ea typeface="Fira Sans Book" charset="0"/>
+                <a:cs typeface="Fira Sans Book" charset="0"/>
+              </a:rPr>
+              <a:t>, 12, </a:t>
+            </a:r>
+            <a:r>
               <a:rPr lang="it-IT" dirty="0">
                 <a:latin typeface="+mj-lt"/>
                 <a:ea typeface="Fira Sans Book" charset="0"/>
                 <a:cs typeface="Fira Sans Book" charset="0"/>
               </a:rPr>
-              <a:t>, 13, 2018</a:t>
+              <a:t>2018</a:t>
             </a:r>
           </a:p>
         </p:txBody>

--- a/slides_hda_project.pptx
+++ b/slides_hda_project.pptx
@@ -6,27 +6,30 @@
     <p:sldMasterId id="2147483688" r:id="rId2"/>
   </p:sldMasterIdLst>
   <p:notesMasterIdLst>
-    <p:notesMasterId r:id="rId18"/>
+    <p:notesMasterId r:id="rId21"/>
   </p:notesMasterIdLst>
   <p:handoutMasterIdLst>
-    <p:handoutMasterId r:id="rId19"/>
+    <p:handoutMasterId r:id="rId22"/>
   </p:handoutMasterIdLst>
   <p:sldIdLst>
     <p:sldId id="285" r:id="rId3"/>
     <p:sldId id="330" r:id="rId4"/>
     <p:sldId id="386" r:id="rId5"/>
     <p:sldId id="387" r:id="rId6"/>
-    <p:sldId id="400" r:id="rId7"/>
-    <p:sldId id="324" r:id="rId8"/>
-    <p:sldId id="401" r:id="rId9"/>
-    <p:sldId id="403" r:id="rId10"/>
-    <p:sldId id="404" r:id="rId11"/>
-    <p:sldId id="405" r:id="rId12"/>
-    <p:sldId id="406" r:id="rId13"/>
-    <p:sldId id="407" r:id="rId14"/>
-    <p:sldId id="408" r:id="rId15"/>
-    <p:sldId id="383" r:id="rId16"/>
-    <p:sldId id="409" r:id="rId17"/>
+    <p:sldId id="410" r:id="rId7"/>
+    <p:sldId id="400" r:id="rId8"/>
+    <p:sldId id="411" r:id="rId9"/>
+    <p:sldId id="324" r:id="rId10"/>
+    <p:sldId id="412" r:id="rId11"/>
+    <p:sldId id="413" r:id="rId12"/>
+    <p:sldId id="414" r:id="rId13"/>
+    <p:sldId id="415" r:id="rId14"/>
+    <p:sldId id="418" r:id="rId15"/>
+    <p:sldId id="416" r:id="rId16"/>
+    <p:sldId id="419" r:id="rId17"/>
+    <p:sldId id="420" r:id="rId18"/>
+    <p:sldId id="421" r:id="rId19"/>
+    <p:sldId id="417" r:id="rId20"/>
   </p:sldIdLst>
   <p:sldSz cx="9144000" cy="6858000" type="screen4x3"/>
   <p:notesSz cx="6858000" cy="9144000"/>
@@ -249,7 +252,7 @@
           <a:p>
             <a:fld id="{76824F0E-EF00-ED48-9E0B-A8A432D0A8E8}" type="datetimeFigureOut">
               <a:rPr lang="it-IT" smtClean="0"/>
-              <a:t>04/07/18</a:t>
+              <a:t>10/07/18</a:t>
             </a:fld>
             <a:endParaRPr lang="it-IT"/>
           </a:p>
@@ -426,7 +429,7 @@
           <a:p>
             <a:fld id="{00472BE3-30AD-44B6-9AE4-B99D5977AD3D}" type="datetimeFigureOut">
               <a:rPr lang="it-IT" smtClean="0"/>
-              <a:t>04/07/18</a:t>
+              <a:t>10/07/18</a:t>
             </a:fld>
             <a:endParaRPr lang="it-IT"/>
           </a:p>
@@ -905,7 +908,13 @@
           <a:bodyPr/>
           <a:lstStyle/>
           <a:p>
-            <a:endParaRPr lang="it-IT"/>
+            <a:r>
+              <a:rPr lang="en-GB" dirty="0"/>
+              <a:t>Here we should explain what are the main challenges behind HAR and opportunities of study</a:t>
+            </a:r>
+          </a:p>
+          <a:p>
+            <a:endParaRPr lang="en-GB" dirty="0"/>
           </a:p>
         </p:txBody>
       </p:sp>
@@ -926,7 +935,7 @@
           <a:p>
             <a:fld id="{043C84D1-19FD-4492-8382-9D79A275F182}" type="slidenum">
               <a:rPr lang="it-IT" smtClean="0"/>
-              <a:t>8</a:t>
+              <a:t>3</a:t>
             </a:fld>
             <a:endParaRPr lang="it-IT"/>
           </a:p>
@@ -935,427 +944,7 @@
     </p:spTree>
     <p:extLst>
       <p:ext uri="{BB962C8B-B14F-4D97-AF65-F5344CB8AC3E}">
-        <p14:creationId xmlns:p14="http://schemas.microsoft.com/office/powerpoint/2010/main" val="2465652587"/>
-      </p:ext>
-    </p:extLst>
-  </p:cSld>
-  <p:clrMapOvr>
-    <a:masterClrMapping/>
-  </p:clrMapOvr>
-</p:notes>
-</file>
-
-<file path=ppt/notesSlides/notesSlide4.xml><?xml version="1.0" encoding="utf-8"?>
-<p:notes xmlns:a="http://schemas.openxmlformats.org/drawingml/2006/main" xmlns:r="http://schemas.openxmlformats.org/officeDocument/2006/relationships" xmlns:p="http://schemas.openxmlformats.org/presentationml/2006/main">
-  <p:cSld>
-    <p:spTree>
-      <p:nvGrpSpPr>
-        <p:cNvPr id="1" name=""/>
-        <p:cNvGrpSpPr/>
-        <p:nvPr/>
-      </p:nvGrpSpPr>
-      <p:grpSpPr>
-        <a:xfrm>
-          <a:off x="0" y="0"/>
-          <a:ext cx="0" cy="0"/>
-          <a:chOff x="0" y="0"/>
-          <a:chExt cx="0" cy="0"/>
-        </a:xfrm>
-      </p:grpSpPr>
-      <p:sp>
-        <p:nvSpPr>
-          <p:cNvPr id="2" name="Slide Image Placeholder 1"/>
-          <p:cNvSpPr>
-            <a:spLocks noGrp="1" noRot="1" noChangeAspect="1"/>
-          </p:cNvSpPr>
-          <p:nvPr>
-            <p:ph type="sldImg"/>
-          </p:nvPr>
-        </p:nvSpPr>
-        <p:spPr/>
-      </p:sp>
-      <p:sp>
-        <p:nvSpPr>
-          <p:cNvPr id="3" name="Notes Placeholder 2"/>
-          <p:cNvSpPr>
-            <a:spLocks noGrp="1"/>
-          </p:cNvSpPr>
-          <p:nvPr>
-            <p:ph type="body" idx="1"/>
-          </p:nvPr>
-        </p:nvSpPr>
-        <p:spPr/>
-        <p:txBody>
-          <a:bodyPr/>
-          <a:lstStyle/>
-          <a:p>
-            <a:endParaRPr lang="it-IT"/>
-          </a:p>
-        </p:txBody>
-      </p:sp>
-      <p:sp>
-        <p:nvSpPr>
-          <p:cNvPr id="4" name="Slide Number Placeholder 3"/>
-          <p:cNvSpPr>
-            <a:spLocks noGrp="1"/>
-          </p:cNvSpPr>
-          <p:nvPr>
-            <p:ph type="sldNum" sz="quarter" idx="10"/>
-          </p:nvPr>
-        </p:nvSpPr>
-        <p:spPr/>
-        <p:txBody>
-          <a:bodyPr/>
-          <a:lstStyle/>
-          <a:p>
-            <a:fld id="{043C84D1-19FD-4492-8382-9D79A275F182}" type="slidenum">
-              <a:rPr lang="it-IT" smtClean="0"/>
-              <a:t>9</a:t>
-            </a:fld>
-            <a:endParaRPr lang="it-IT"/>
-          </a:p>
-        </p:txBody>
-      </p:sp>
-    </p:spTree>
-    <p:extLst>
-      <p:ext uri="{BB962C8B-B14F-4D97-AF65-F5344CB8AC3E}">
-        <p14:creationId xmlns:p14="http://schemas.microsoft.com/office/powerpoint/2010/main" val="2526730570"/>
-      </p:ext>
-    </p:extLst>
-  </p:cSld>
-  <p:clrMapOvr>
-    <a:masterClrMapping/>
-  </p:clrMapOvr>
-</p:notes>
-</file>
-
-<file path=ppt/notesSlides/notesSlide5.xml><?xml version="1.0" encoding="utf-8"?>
-<p:notes xmlns:a="http://schemas.openxmlformats.org/drawingml/2006/main" xmlns:r="http://schemas.openxmlformats.org/officeDocument/2006/relationships" xmlns:p="http://schemas.openxmlformats.org/presentationml/2006/main">
-  <p:cSld>
-    <p:spTree>
-      <p:nvGrpSpPr>
-        <p:cNvPr id="1" name=""/>
-        <p:cNvGrpSpPr/>
-        <p:nvPr/>
-      </p:nvGrpSpPr>
-      <p:grpSpPr>
-        <a:xfrm>
-          <a:off x="0" y="0"/>
-          <a:ext cx="0" cy="0"/>
-          <a:chOff x="0" y="0"/>
-          <a:chExt cx="0" cy="0"/>
-        </a:xfrm>
-      </p:grpSpPr>
-      <p:sp>
-        <p:nvSpPr>
-          <p:cNvPr id="2" name="Slide Image Placeholder 1"/>
-          <p:cNvSpPr>
-            <a:spLocks noGrp="1" noRot="1" noChangeAspect="1"/>
-          </p:cNvSpPr>
-          <p:nvPr>
-            <p:ph type="sldImg"/>
-          </p:nvPr>
-        </p:nvSpPr>
-        <p:spPr/>
-      </p:sp>
-      <p:sp>
-        <p:nvSpPr>
-          <p:cNvPr id="3" name="Notes Placeholder 2"/>
-          <p:cNvSpPr>
-            <a:spLocks noGrp="1"/>
-          </p:cNvSpPr>
-          <p:nvPr>
-            <p:ph type="body" idx="1"/>
-          </p:nvPr>
-        </p:nvSpPr>
-        <p:spPr/>
-        <p:txBody>
-          <a:bodyPr/>
-          <a:lstStyle/>
-          <a:p>
-            <a:endParaRPr lang="it-IT"/>
-          </a:p>
-        </p:txBody>
-      </p:sp>
-      <p:sp>
-        <p:nvSpPr>
-          <p:cNvPr id="4" name="Slide Number Placeholder 3"/>
-          <p:cNvSpPr>
-            <a:spLocks noGrp="1"/>
-          </p:cNvSpPr>
-          <p:nvPr>
-            <p:ph type="sldNum" sz="quarter" idx="10"/>
-          </p:nvPr>
-        </p:nvSpPr>
-        <p:spPr/>
-        <p:txBody>
-          <a:bodyPr/>
-          <a:lstStyle/>
-          <a:p>
-            <a:fld id="{043C84D1-19FD-4492-8382-9D79A275F182}" type="slidenum">
-              <a:rPr lang="it-IT" smtClean="0"/>
-              <a:t>10</a:t>
-            </a:fld>
-            <a:endParaRPr lang="it-IT"/>
-          </a:p>
-        </p:txBody>
-      </p:sp>
-    </p:spTree>
-    <p:extLst>
-      <p:ext uri="{BB962C8B-B14F-4D97-AF65-F5344CB8AC3E}">
-        <p14:creationId xmlns:p14="http://schemas.microsoft.com/office/powerpoint/2010/main" val="3187312969"/>
-      </p:ext>
-    </p:extLst>
-  </p:cSld>
-  <p:clrMapOvr>
-    <a:masterClrMapping/>
-  </p:clrMapOvr>
-</p:notes>
-</file>
-
-<file path=ppt/notesSlides/notesSlide6.xml><?xml version="1.0" encoding="utf-8"?>
-<p:notes xmlns:a="http://schemas.openxmlformats.org/drawingml/2006/main" xmlns:r="http://schemas.openxmlformats.org/officeDocument/2006/relationships" xmlns:p="http://schemas.openxmlformats.org/presentationml/2006/main">
-  <p:cSld>
-    <p:spTree>
-      <p:nvGrpSpPr>
-        <p:cNvPr id="1" name=""/>
-        <p:cNvGrpSpPr/>
-        <p:nvPr/>
-      </p:nvGrpSpPr>
-      <p:grpSpPr>
-        <a:xfrm>
-          <a:off x="0" y="0"/>
-          <a:ext cx="0" cy="0"/>
-          <a:chOff x="0" y="0"/>
-          <a:chExt cx="0" cy="0"/>
-        </a:xfrm>
-      </p:grpSpPr>
-      <p:sp>
-        <p:nvSpPr>
-          <p:cNvPr id="2" name="Slide Image Placeholder 1"/>
-          <p:cNvSpPr>
-            <a:spLocks noGrp="1" noRot="1" noChangeAspect="1"/>
-          </p:cNvSpPr>
-          <p:nvPr>
-            <p:ph type="sldImg"/>
-          </p:nvPr>
-        </p:nvSpPr>
-        <p:spPr/>
-      </p:sp>
-      <p:sp>
-        <p:nvSpPr>
-          <p:cNvPr id="3" name="Notes Placeholder 2"/>
-          <p:cNvSpPr>
-            <a:spLocks noGrp="1"/>
-          </p:cNvSpPr>
-          <p:nvPr>
-            <p:ph type="body" idx="1"/>
-          </p:nvPr>
-        </p:nvSpPr>
-        <p:spPr/>
-        <p:txBody>
-          <a:bodyPr/>
-          <a:lstStyle/>
-          <a:p>
-            <a:endParaRPr lang="it-IT"/>
-          </a:p>
-        </p:txBody>
-      </p:sp>
-      <p:sp>
-        <p:nvSpPr>
-          <p:cNvPr id="4" name="Slide Number Placeholder 3"/>
-          <p:cNvSpPr>
-            <a:spLocks noGrp="1"/>
-          </p:cNvSpPr>
-          <p:nvPr>
-            <p:ph type="sldNum" sz="quarter" idx="10"/>
-          </p:nvPr>
-        </p:nvSpPr>
-        <p:spPr/>
-        <p:txBody>
-          <a:bodyPr/>
-          <a:lstStyle/>
-          <a:p>
-            <a:fld id="{043C84D1-19FD-4492-8382-9D79A275F182}" type="slidenum">
-              <a:rPr lang="it-IT" smtClean="0"/>
-              <a:t>11</a:t>
-            </a:fld>
-            <a:endParaRPr lang="it-IT"/>
-          </a:p>
-        </p:txBody>
-      </p:sp>
-    </p:spTree>
-    <p:extLst>
-      <p:ext uri="{BB962C8B-B14F-4D97-AF65-F5344CB8AC3E}">
-        <p14:creationId xmlns:p14="http://schemas.microsoft.com/office/powerpoint/2010/main" val="1239847452"/>
-      </p:ext>
-    </p:extLst>
-  </p:cSld>
-  <p:clrMapOvr>
-    <a:masterClrMapping/>
-  </p:clrMapOvr>
-</p:notes>
-</file>
-
-<file path=ppt/notesSlides/notesSlide7.xml><?xml version="1.0" encoding="utf-8"?>
-<p:notes xmlns:a="http://schemas.openxmlformats.org/drawingml/2006/main" xmlns:r="http://schemas.openxmlformats.org/officeDocument/2006/relationships" xmlns:p="http://schemas.openxmlformats.org/presentationml/2006/main">
-  <p:cSld>
-    <p:spTree>
-      <p:nvGrpSpPr>
-        <p:cNvPr id="1" name=""/>
-        <p:cNvGrpSpPr/>
-        <p:nvPr/>
-      </p:nvGrpSpPr>
-      <p:grpSpPr>
-        <a:xfrm>
-          <a:off x="0" y="0"/>
-          <a:ext cx="0" cy="0"/>
-          <a:chOff x="0" y="0"/>
-          <a:chExt cx="0" cy="0"/>
-        </a:xfrm>
-      </p:grpSpPr>
-      <p:sp>
-        <p:nvSpPr>
-          <p:cNvPr id="2" name="Slide Image Placeholder 1"/>
-          <p:cNvSpPr>
-            <a:spLocks noGrp="1" noRot="1" noChangeAspect="1"/>
-          </p:cNvSpPr>
-          <p:nvPr>
-            <p:ph type="sldImg"/>
-          </p:nvPr>
-        </p:nvSpPr>
-        <p:spPr/>
-      </p:sp>
-      <p:sp>
-        <p:nvSpPr>
-          <p:cNvPr id="3" name="Notes Placeholder 2"/>
-          <p:cNvSpPr>
-            <a:spLocks noGrp="1"/>
-          </p:cNvSpPr>
-          <p:nvPr>
-            <p:ph type="body" idx="1"/>
-          </p:nvPr>
-        </p:nvSpPr>
-        <p:spPr/>
-        <p:txBody>
-          <a:bodyPr/>
-          <a:lstStyle/>
-          <a:p>
-            <a:endParaRPr lang="it-IT"/>
-          </a:p>
-        </p:txBody>
-      </p:sp>
-      <p:sp>
-        <p:nvSpPr>
-          <p:cNvPr id="4" name="Slide Number Placeholder 3"/>
-          <p:cNvSpPr>
-            <a:spLocks noGrp="1"/>
-          </p:cNvSpPr>
-          <p:nvPr>
-            <p:ph type="sldNum" sz="quarter" idx="10"/>
-          </p:nvPr>
-        </p:nvSpPr>
-        <p:spPr/>
-        <p:txBody>
-          <a:bodyPr/>
-          <a:lstStyle/>
-          <a:p>
-            <a:fld id="{043C84D1-19FD-4492-8382-9D79A275F182}" type="slidenum">
-              <a:rPr lang="it-IT" smtClean="0"/>
-              <a:t>12</a:t>
-            </a:fld>
-            <a:endParaRPr lang="it-IT"/>
-          </a:p>
-        </p:txBody>
-      </p:sp>
-    </p:spTree>
-    <p:extLst>
-      <p:ext uri="{BB962C8B-B14F-4D97-AF65-F5344CB8AC3E}">
-        <p14:creationId xmlns:p14="http://schemas.microsoft.com/office/powerpoint/2010/main" val="231321589"/>
-      </p:ext>
-    </p:extLst>
-  </p:cSld>
-  <p:clrMapOvr>
-    <a:masterClrMapping/>
-  </p:clrMapOvr>
-</p:notes>
-</file>
-
-<file path=ppt/notesSlides/notesSlide8.xml><?xml version="1.0" encoding="utf-8"?>
-<p:notes xmlns:a="http://schemas.openxmlformats.org/drawingml/2006/main" xmlns:r="http://schemas.openxmlformats.org/officeDocument/2006/relationships" xmlns:p="http://schemas.openxmlformats.org/presentationml/2006/main">
-  <p:cSld>
-    <p:spTree>
-      <p:nvGrpSpPr>
-        <p:cNvPr id="1" name=""/>
-        <p:cNvGrpSpPr/>
-        <p:nvPr/>
-      </p:nvGrpSpPr>
-      <p:grpSpPr>
-        <a:xfrm>
-          <a:off x="0" y="0"/>
-          <a:ext cx="0" cy="0"/>
-          <a:chOff x="0" y="0"/>
-          <a:chExt cx="0" cy="0"/>
-        </a:xfrm>
-      </p:grpSpPr>
-      <p:sp>
-        <p:nvSpPr>
-          <p:cNvPr id="2" name="Slide Image Placeholder 1"/>
-          <p:cNvSpPr>
-            <a:spLocks noGrp="1" noRot="1" noChangeAspect="1"/>
-          </p:cNvSpPr>
-          <p:nvPr>
-            <p:ph type="sldImg"/>
-          </p:nvPr>
-        </p:nvSpPr>
-        <p:spPr/>
-      </p:sp>
-      <p:sp>
-        <p:nvSpPr>
-          <p:cNvPr id="3" name="Notes Placeholder 2"/>
-          <p:cNvSpPr>
-            <a:spLocks noGrp="1"/>
-          </p:cNvSpPr>
-          <p:nvPr>
-            <p:ph type="body" idx="1"/>
-          </p:nvPr>
-        </p:nvSpPr>
-        <p:spPr/>
-        <p:txBody>
-          <a:bodyPr/>
-          <a:lstStyle/>
-          <a:p>
-            <a:endParaRPr lang="it-IT"/>
-          </a:p>
-        </p:txBody>
-      </p:sp>
-      <p:sp>
-        <p:nvSpPr>
-          <p:cNvPr id="4" name="Slide Number Placeholder 3"/>
-          <p:cNvSpPr>
-            <a:spLocks noGrp="1"/>
-          </p:cNvSpPr>
-          <p:nvPr>
-            <p:ph type="sldNum" sz="quarter" idx="10"/>
-          </p:nvPr>
-        </p:nvSpPr>
-        <p:spPr/>
-        <p:txBody>
-          <a:bodyPr/>
-          <a:lstStyle/>
-          <a:p>
-            <a:fld id="{043C84D1-19FD-4492-8382-9D79A275F182}" type="slidenum">
-              <a:rPr lang="it-IT" smtClean="0"/>
-              <a:t>13</a:t>
-            </a:fld>
-            <a:endParaRPr lang="it-IT"/>
-          </a:p>
-        </p:txBody>
-      </p:sp>
-    </p:spTree>
-    <p:extLst>
-      <p:ext uri="{BB962C8B-B14F-4D97-AF65-F5344CB8AC3E}">
-        <p14:creationId xmlns:p14="http://schemas.microsoft.com/office/powerpoint/2010/main" val="1068685359"/>
+        <p14:creationId xmlns:p14="http://schemas.microsoft.com/office/powerpoint/2010/main" val="3594072931"/>
       </p:ext>
     </p:extLst>
   </p:cSld>
@@ -2120,7 +1709,7 @@
           <a:p>
             <a:fld id="{71D578BD-D5EC-4F5E-BAA0-C9A897EEFD5B}" type="datetimeFigureOut">
               <a:rPr lang="it-IT" smtClean="0"/>
-              <a:t>04/07/18</a:t>
+              <a:t>10/07/18</a:t>
             </a:fld>
             <a:endParaRPr lang="it-IT"/>
           </a:p>
@@ -2288,7 +1877,7 @@
           <a:p>
             <a:fld id="{71D578BD-D5EC-4F5E-BAA0-C9A897EEFD5B}" type="datetimeFigureOut">
               <a:rPr lang="it-IT" smtClean="0"/>
-              <a:t>04/07/18</a:t>
+              <a:t>10/07/18</a:t>
             </a:fld>
             <a:endParaRPr lang="it-IT"/>
           </a:p>
@@ -2533,7 +2122,7 @@
           <a:p>
             <a:fld id="{71D578BD-D5EC-4F5E-BAA0-C9A897EEFD5B}" type="datetimeFigureOut">
               <a:rPr lang="it-IT" smtClean="0"/>
-              <a:t>04/07/18</a:t>
+              <a:t>10/07/18</a:t>
             </a:fld>
             <a:endParaRPr lang="it-IT"/>
           </a:p>
@@ -2762,7 +2351,7 @@
           <a:p>
             <a:fld id="{71D578BD-D5EC-4F5E-BAA0-C9A897EEFD5B}" type="datetimeFigureOut">
               <a:rPr lang="it-IT" smtClean="0"/>
-              <a:t>04/07/18</a:t>
+              <a:t>10/07/18</a:t>
             </a:fld>
             <a:endParaRPr lang="it-IT"/>
           </a:p>
@@ -3126,7 +2715,7 @@
           <a:p>
             <a:fld id="{71D578BD-D5EC-4F5E-BAA0-C9A897EEFD5B}" type="datetimeFigureOut">
               <a:rPr lang="it-IT" smtClean="0"/>
-              <a:t>04/07/18</a:t>
+              <a:t>10/07/18</a:t>
             </a:fld>
             <a:endParaRPr lang="it-IT"/>
           </a:p>
@@ -3243,7 +2832,7 @@
           <a:p>
             <a:fld id="{71D578BD-D5EC-4F5E-BAA0-C9A897EEFD5B}" type="datetimeFigureOut">
               <a:rPr lang="it-IT" smtClean="0"/>
-              <a:t>04/07/18</a:t>
+              <a:t>10/07/18</a:t>
             </a:fld>
             <a:endParaRPr lang="it-IT"/>
           </a:p>
@@ -3338,7 +2927,7 @@
           <a:p>
             <a:fld id="{71D578BD-D5EC-4F5E-BAA0-C9A897EEFD5B}" type="datetimeFigureOut">
               <a:rPr lang="it-IT" smtClean="0"/>
-              <a:t>04/07/18</a:t>
+              <a:t>10/07/18</a:t>
             </a:fld>
             <a:endParaRPr lang="it-IT"/>
           </a:p>
@@ -3723,7 +3312,7 @@
           <a:p>
             <a:fld id="{71D578BD-D5EC-4F5E-BAA0-C9A897EEFD5B}" type="datetimeFigureOut">
               <a:rPr lang="it-IT" smtClean="0"/>
-              <a:t>04/07/18</a:t>
+              <a:t>10/07/18</a:t>
             </a:fld>
             <a:endParaRPr lang="it-IT"/>
           </a:p>
@@ -3975,7 +3564,7 @@
           <a:p>
             <a:fld id="{71D578BD-D5EC-4F5E-BAA0-C9A897EEFD5B}" type="datetimeFigureOut">
               <a:rPr lang="it-IT" smtClean="0"/>
-              <a:t>04/07/18</a:t>
+              <a:t>10/07/18</a:t>
             </a:fld>
             <a:endParaRPr lang="it-IT"/>
           </a:p>
@@ -4143,7 +3732,7 @@
           <a:p>
             <a:fld id="{71D578BD-D5EC-4F5E-BAA0-C9A897EEFD5B}" type="datetimeFigureOut">
               <a:rPr lang="it-IT" smtClean="0"/>
-              <a:t>04/07/18</a:t>
+              <a:t>10/07/18</a:t>
             </a:fld>
             <a:endParaRPr lang="it-IT"/>
           </a:p>
@@ -4321,7 +3910,7 @@
           <a:p>
             <a:fld id="{71D578BD-D5EC-4F5E-BAA0-C9A897EEFD5B}" type="datetimeFigureOut">
               <a:rPr lang="it-IT" smtClean="0"/>
-              <a:t>04/07/18</a:t>
+              <a:t>10/07/18</a:t>
             </a:fld>
             <a:endParaRPr lang="it-IT"/>
           </a:p>
@@ -6799,7 +6388,7 @@
           <a:p>
             <a:fld id="{71D578BD-D5EC-4F5E-BAA0-C9A897EEFD5B}" type="datetimeFigureOut">
               <a:rPr lang="it-IT" smtClean="0"/>
-              <a:t>04/07/18</a:t>
+              <a:t>10/07/18</a:t>
             </a:fld>
             <a:endParaRPr lang="it-IT"/>
           </a:p>
@@ -7252,7 +6841,7 @@
                 <a:ea typeface="Fira Sans" charset="0"/>
                 <a:cs typeface="Fira Sans" charset="0"/>
               </a:rPr>
-              <a:t>Human Data Analytics – Project </a:t>
+              <a:t> </a:t>
             </a:r>
             <a:br>
               <a:rPr lang="en-US" sz="3600" dirty="0">
@@ -7281,7 +6870,7 @@
                 <a:ea typeface="Fira Sans" charset="0"/>
                 <a:cs typeface="Fira Sans" charset="0"/>
               </a:rPr>
-              <a:t>Project Name</a:t>
+              <a:t>A Comparative Study of Different Deep Learning Architectures for Human Activity Recognition</a:t>
             </a:r>
           </a:p>
         </p:txBody>
@@ -7628,7 +7217,7 @@
         </p:nvSpPr>
         <p:spPr>
           <a:xfrm>
-            <a:off x="817494" y="282609"/>
+            <a:off x="854475" y="375635"/>
             <a:ext cx="7886700" cy="1325563"/>
           </a:xfrm>
         </p:spPr>
@@ -7638,51 +7227,15 @@
           <a:p>
             <a:r>
               <a:rPr lang="en-US" b="1" dirty="0"/>
-              <a:t>Performance analysis: Ep = 0.1</a:t>
-            </a:r>
-          </a:p>
-        </p:txBody>
-      </p:sp>
-      <p:pic>
-        <p:nvPicPr>
-          <p:cNvPr id="7" name="Picture 6">
-            <a:extLst>
-              <a:ext uri="{FF2B5EF4-FFF2-40B4-BE49-F238E27FC236}">
-                <a16:creationId xmlns:a16="http://schemas.microsoft.com/office/drawing/2014/main" id="{EB2C00AC-FC0A-0A4C-8F7D-84D9CEA048A0}"/>
-              </a:ext>
-            </a:extLst>
-          </p:cNvPr>
-          <p:cNvPicPr>
-            <a:picLocks noChangeAspect="1"/>
-          </p:cNvPicPr>
-          <p:nvPr/>
-        </p:nvPicPr>
-        <p:blipFill>
-          <a:blip r:embed="rId3">
-            <a:extLst>
-              <a:ext uri="{28A0092B-C50C-407E-A947-70E740481C1C}">
-                <a14:useLocalDpi xmlns:a14="http://schemas.microsoft.com/office/drawing/2010/main" val="0"/>
-              </a:ext>
-            </a:extLst>
-          </a:blip>
-          <a:stretch>
-            <a:fillRect/>
-          </a:stretch>
-        </p:blipFill>
-        <p:spPr>
-          <a:xfrm>
-            <a:off x="597591" y="1314193"/>
-            <a:ext cx="8326506" cy="5173104"/>
-          </a:xfrm>
-          <a:prstGeom prst="rect">
-            <a:avLst/>
-          </a:prstGeom>
-        </p:spPr>
-      </p:pic>
+              <a:t>Architectures: MLP</a:t>
+            </a:r>
+          </a:p>
+        </p:txBody>
+      </p:sp>
     </p:spTree>
     <p:extLst>
       <p:ext uri="{BB962C8B-B14F-4D97-AF65-F5344CB8AC3E}">
-        <p14:creationId xmlns:p14="http://schemas.microsoft.com/office/powerpoint/2010/main" val="2180137406"/>
+        <p14:creationId xmlns:p14="http://schemas.microsoft.com/office/powerpoint/2010/main" val="2298727332"/>
       </p:ext>
     </p:extLst>
   </p:cSld>
@@ -7721,7 +7274,7 @@
         </p:nvSpPr>
         <p:spPr>
           <a:xfrm>
-            <a:off x="817494" y="282609"/>
+            <a:off x="854475" y="375635"/>
             <a:ext cx="7886700" cy="1325563"/>
           </a:xfrm>
         </p:spPr>
@@ -7731,51 +7284,15 @@
           <a:p>
             <a:r>
               <a:rPr lang="en-US" b="1" dirty="0"/>
-              <a:t>Performance analysis: Ep = 0.01</a:t>
-            </a:r>
-          </a:p>
-        </p:txBody>
-      </p:sp>
-      <p:pic>
-        <p:nvPicPr>
-          <p:cNvPr id="3" name="Picture 2">
-            <a:extLst>
-              <a:ext uri="{FF2B5EF4-FFF2-40B4-BE49-F238E27FC236}">
-                <a16:creationId xmlns:a16="http://schemas.microsoft.com/office/drawing/2014/main" id="{7EF8733A-5B7A-4C49-86A6-1C22D288D7AC}"/>
-              </a:ext>
-            </a:extLst>
-          </p:cNvPr>
-          <p:cNvPicPr>
-            <a:picLocks noChangeAspect="1"/>
-          </p:cNvPicPr>
-          <p:nvPr/>
-        </p:nvPicPr>
-        <p:blipFill>
-          <a:blip r:embed="rId3">
-            <a:extLst>
-              <a:ext uri="{28A0092B-C50C-407E-A947-70E740481C1C}">
-                <a14:useLocalDpi xmlns:a14="http://schemas.microsoft.com/office/drawing/2010/main" val="0"/>
-              </a:ext>
-            </a:extLst>
-          </a:blip>
-          <a:stretch>
-            <a:fillRect/>
-          </a:stretch>
-        </p:blipFill>
-        <p:spPr>
-          <a:xfrm>
-            <a:off x="595274" y="1301836"/>
-            <a:ext cx="8331139" cy="5173104"/>
-          </a:xfrm>
-          <a:prstGeom prst="rect">
-            <a:avLst/>
-          </a:prstGeom>
-        </p:spPr>
-      </p:pic>
+              <a:t>Architectures: MCF</a:t>
+            </a:r>
+          </a:p>
+        </p:txBody>
+      </p:sp>
     </p:spTree>
     <p:extLst>
       <p:ext uri="{BB962C8B-B14F-4D97-AF65-F5344CB8AC3E}">
-        <p14:creationId xmlns:p14="http://schemas.microsoft.com/office/powerpoint/2010/main" val="1860926098"/>
+        <p14:creationId xmlns:p14="http://schemas.microsoft.com/office/powerpoint/2010/main" val="75988996"/>
       </p:ext>
     </p:extLst>
   </p:cSld>
@@ -7814,7 +7331,7 @@
         </p:nvSpPr>
         <p:spPr>
           <a:xfrm>
-            <a:off x="817494" y="282609"/>
+            <a:off x="854475" y="375635"/>
             <a:ext cx="7886700" cy="1325563"/>
           </a:xfrm>
         </p:spPr>
@@ -7824,17 +7341,17 @@
           <a:p>
             <a:r>
               <a:rPr lang="en-US" b="1" dirty="0"/>
-              <a:t>Performance analysis: Ep = 0.001</a:t>
+              <a:t>Results: TASK A</a:t>
             </a:r>
           </a:p>
         </p:txBody>
       </p:sp>
       <p:pic>
         <p:nvPicPr>
-          <p:cNvPr id="3" name="Picture 2">
+          <p:cNvPr id="5" name="Picture 4">
             <a:extLst>
               <a:ext uri="{FF2B5EF4-FFF2-40B4-BE49-F238E27FC236}">
-                <a16:creationId xmlns:a16="http://schemas.microsoft.com/office/drawing/2014/main" id="{6AF8970F-86A5-B44D-A1A5-C43872D6934D}"/>
+                <a16:creationId xmlns:a16="http://schemas.microsoft.com/office/drawing/2014/main" id="{B858C2E4-0C3D-C44C-962F-0B975AED11B4}"/>
               </a:ext>
             </a:extLst>
           </p:cNvPr>
@@ -7844,7 +7361,7 @@
           <p:nvPr/>
         </p:nvPicPr>
         <p:blipFill>
-          <a:blip r:embed="rId3">
+          <a:blip r:embed="rId2">
             <a:extLst>
               <a:ext uri="{28A0092B-C50C-407E-A947-70E740481C1C}">
                 <a14:useLocalDpi xmlns:a14="http://schemas.microsoft.com/office/drawing/2010/main" val="0"/>
@@ -7857,8 +7374,8 @@
         </p:blipFill>
         <p:spPr>
           <a:xfrm>
-            <a:off x="597591" y="1314193"/>
-            <a:ext cx="8326505" cy="5173104"/>
+            <a:off x="1350333" y="1562986"/>
+            <a:ext cx="6692400" cy="4489973"/>
           </a:xfrm>
           <a:prstGeom prst="rect">
             <a:avLst/>
@@ -7868,7 +7385,7 @@
     </p:spTree>
     <p:extLst>
       <p:ext uri="{BB962C8B-B14F-4D97-AF65-F5344CB8AC3E}">
-        <p14:creationId xmlns:p14="http://schemas.microsoft.com/office/powerpoint/2010/main" val="2109666512"/>
+        <p14:creationId xmlns:p14="http://schemas.microsoft.com/office/powerpoint/2010/main" val="2979853638"/>
       </p:ext>
     </p:extLst>
   </p:cSld>
@@ -7907,7 +7424,7 @@
         </p:nvSpPr>
         <p:spPr>
           <a:xfrm>
-            <a:off x="817494" y="282609"/>
+            <a:off x="854475" y="375635"/>
             <a:ext cx="7886700" cy="1325563"/>
           </a:xfrm>
         </p:spPr>
@@ -7917,88 +7434,17 @@
           <a:p>
             <a:r>
               <a:rPr lang="en-US" b="1" dirty="0"/>
-              <a:t>Performance Analysis: Pyramidal</a:t>
-            </a:r>
-          </a:p>
-        </p:txBody>
-      </p:sp>
-      <p:sp>
-        <p:nvSpPr>
-          <p:cNvPr id="5" name="Segnaposto contenuto 10">
+              <a:t>Results: TASK A</a:t>
+            </a:r>
+          </a:p>
+        </p:txBody>
+      </p:sp>
+      <p:pic>
+        <p:nvPicPr>
+          <p:cNvPr id="3" name="Picture 2">
             <a:extLst>
               <a:ext uri="{FF2B5EF4-FFF2-40B4-BE49-F238E27FC236}">
-                <a16:creationId xmlns:a16="http://schemas.microsoft.com/office/drawing/2014/main" id="{EB5CCF25-71C3-FD4D-80A1-7D97A3328AC7}"/>
-              </a:ext>
-            </a:extLst>
-          </p:cNvPr>
-          <p:cNvSpPr>
-            <a:spLocks noGrp="1"/>
-          </p:cNvSpPr>
-          <p:nvPr>
-            <p:ph idx="1"/>
-          </p:nvPr>
-        </p:nvSpPr>
-        <p:spPr>
-          <a:xfrm>
-            <a:off x="1032314" y="1480850"/>
-            <a:ext cx="6963623" cy="4781549"/>
-          </a:xfrm>
-        </p:spPr>
-        <p:txBody>
-          <a:bodyPr>
-            <a:normAutofit/>
-          </a:bodyPr>
-          <a:lstStyle/>
-          <a:p>
-            <a:pPr>
-              <a:lnSpc>
-                <a:spcPct val="150000"/>
-              </a:lnSpc>
-              <a:buFont typeface="Wingdings" charset="2"/>
-              <a:buChar char="§"/>
-            </a:pPr>
-            <a:r>
-              <a:rPr lang="en-US" sz="2800" dirty="0">
-                <a:latin typeface="+mj-lt"/>
-                <a:ea typeface="Fira Sans Light" charset="0"/>
-                <a:cs typeface="Fira Sans Light" charset="0"/>
-              </a:rPr>
-              <a:t>Build image’s pyramid </a:t>
-            </a:r>
-            <a:r>
-              <a:rPr lang="en-US" dirty="0">
-                <a:latin typeface="+mj-lt"/>
-                <a:ea typeface="Fira Sans Light" charset="0"/>
-                <a:cs typeface="Fira Sans Light" charset="0"/>
-              </a:rPr>
-              <a:t>through Gaussian filtering</a:t>
-            </a:r>
-          </a:p>
-          <a:p>
-            <a:pPr>
-              <a:lnSpc>
-                <a:spcPct val="150000"/>
-              </a:lnSpc>
-              <a:buFont typeface="Wingdings" charset="2"/>
-              <a:buChar char="§"/>
-            </a:pPr>
-            <a:r>
-              <a:rPr lang="en-US" dirty="0">
-                <a:latin typeface="+mj-lt"/>
-                <a:ea typeface="Fira Sans Light" charset="0"/>
-                <a:cs typeface="Fira Sans Light" charset="0"/>
-              </a:rPr>
-              <a:t>Codebook randomly initialized from small set</a:t>
-            </a:r>
-          </a:p>
-        </p:txBody>
-      </p:sp>
-      <p:pic>
-        <p:nvPicPr>
-          <p:cNvPr id="6" name="Picture 5">
-            <a:extLst>
-              <a:ext uri="{FF2B5EF4-FFF2-40B4-BE49-F238E27FC236}">
-                <a16:creationId xmlns:a16="http://schemas.microsoft.com/office/drawing/2014/main" id="{20EDAAE3-89F9-9A4C-82B4-8D8D13A07362}"/>
+                <a16:creationId xmlns:a16="http://schemas.microsoft.com/office/drawing/2014/main" id="{7D7D2DAB-455B-CD4F-80F4-EF29F144BD8D}"/>
               </a:ext>
             </a:extLst>
           </p:cNvPr>
@@ -8008,7 +7454,7 @@
           <p:nvPr/>
         </p:nvPicPr>
         <p:blipFill>
-          <a:blip r:embed="rId3">
+          <a:blip r:embed="rId2">
             <a:extLst>
               <a:ext uri="{28A0092B-C50C-407E-A947-70E740481C1C}">
                 <a14:useLocalDpi xmlns:a14="http://schemas.microsoft.com/office/drawing/2010/main" val="0"/>
@@ -8021,134 +7467,18 @@
         </p:blipFill>
         <p:spPr>
           <a:xfrm>
-            <a:off x="1883719" y="3871624"/>
-            <a:ext cx="2304000" cy="2304000"/>
+            <a:off x="854474" y="1701198"/>
+            <a:ext cx="7886701" cy="4810856"/>
           </a:xfrm>
           <a:prstGeom prst="rect">
             <a:avLst/>
           </a:prstGeom>
         </p:spPr>
       </p:pic>
-      <p:pic>
-        <p:nvPicPr>
-          <p:cNvPr id="8" name="Picture 7">
-            <a:extLst>
-              <a:ext uri="{FF2B5EF4-FFF2-40B4-BE49-F238E27FC236}">
-                <a16:creationId xmlns:a16="http://schemas.microsoft.com/office/drawing/2014/main" id="{FE6079A8-64BA-5B4A-BE23-D68F9880245C}"/>
-              </a:ext>
-            </a:extLst>
-          </p:cNvPr>
-          <p:cNvPicPr>
-            <a:picLocks noChangeAspect="1"/>
-          </p:cNvPicPr>
-          <p:nvPr/>
-        </p:nvPicPr>
-        <p:blipFill>
-          <a:blip r:embed="rId4">
-            <a:extLst>
-              <a:ext uri="{28A0092B-C50C-407E-A947-70E740481C1C}">
-                <a14:useLocalDpi xmlns:a14="http://schemas.microsoft.com/office/drawing/2010/main" val="0"/>
-              </a:ext>
-            </a:extLst>
-          </a:blip>
-          <a:stretch>
-            <a:fillRect/>
-          </a:stretch>
-        </p:blipFill>
-        <p:spPr>
-          <a:xfrm>
-            <a:off x="5039124" y="3871624"/>
-            <a:ext cx="2304000" cy="2304000"/>
-          </a:xfrm>
-          <a:prstGeom prst="rect">
-            <a:avLst/>
-          </a:prstGeom>
-        </p:spPr>
-      </p:pic>
-      <p:sp>
-        <p:nvSpPr>
-          <p:cNvPr id="11" name="TextBox 10">
-            <a:extLst>
-              <a:ext uri="{FF2B5EF4-FFF2-40B4-BE49-F238E27FC236}">
-                <a16:creationId xmlns:a16="http://schemas.microsoft.com/office/drawing/2014/main" id="{58B93370-F470-8C42-A7F2-78350DEF2C49}"/>
-              </a:ext>
-            </a:extLst>
-          </p:cNvPr>
-          <p:cNvSpPr txBox="1"/>
-          <p:nvPr/>
-        </p:nvSpPr>
-        <p:spPr>
-          <a:xfrm>
-            <a:off x="1931925" y="6175624"/>
-            <a:ext cx="2255794" cy="307777"/>
-          </a:xfrm>
-          <a:prstGeom prst="rect">
-            <a:avLst/>
-          </a:prstGeom>
-          <a:noFill/>
-        </p:spPr>
-        <p:txBody>
-          <a:bodyPr wrap="square" rtlCol="0">
-            <a:spAutoFit/>
-          </a:bodyPr>
-          <a:lstStyle/>
-          <a:p>
-            <a:pPr algn="ctr"/>
-            <a:r>
-              <a:rPr lang="it-IT" sz="1400" dirty="0" err="1"/>
-              <a:t>Ep</a:t>
-            </a:r>
-            <a:r>
-              <a:rPr lang="it-IT" sz="1400" dirty="0"/>
-              <a:t> = 0.001 PSNR = 31.685</a:t>
-            </a:r>
-          </a:p>
-        </p:txBody>
-      </p:sp>
-      <p:sp>
-        <p:nvSpPr>
-          <p:cNvPr id="12" name="TextBox 11">
-            <a:extLst>
-              <a:ext uri="{FF2B5EF4-FFF2-40B4-BE49-F238E27FC236}">
-                <a16:creationId xmlns:a16="http://schemas.microsoft.com/office/drawing/2014/main" id="{12936F15-D1F3-9E4E-B8F6-FF2A9EE6845F}"/>
-              </a:ext>
-            </a:extLst>
-          </p:cNvPr>
-          <p:cNvSpPr txBox="1"/>
-          <p:nvPr/>
-        </p:nvSpPr>
-        <p:spPr>
-          <a:xfrm>
-            <a:off x="5063227" y="6175623"/>
-            <a:ext cx="2255794" cy="307777"/>
-          </a:xfrm>
-          <a:prstGeom prst="rect">
-            <a:avLst/>
-          </a:prstGeom>
-          <a:noFill/>
-        </p:spPr>
-        <p:txBody>
-          <a:bodyPr wrap="square" rtlCol="0">
-            <a:spAutoFit/>
-          </a:bodyPr>
-          <a:lstStyle/>
-          <a:p>
-            <a:pPr algn="ctr"/>
-            <a:r>
-              <a:rPr lang="it-IT" sz="1400" dirty="0" err="1"/>
-              <a:t>Ep</a:t>
-            </a:r>
-            <a:r>
-              <a:rPr lang="it-IT" sz="1400" dirty="0"/>
-              <a:t> = 0.001 PSNR = 25.431</a:t>
-            </a:r>
-          </a:p>
-        </p:txBody>
-      </p:sp>
     </p:spTree>
     <p:extLst>
       <p:ext uri="{BB962C8B-B14F-4D97-AF65-F5344CB8AC3E}">
-        <p14:creationId xmlns:p14="http://schemas.microsoft.com/office/powerpoint/2010/main" val="819100970"/>
+        <p14:creationId xmlns:p14="http://schemas.microsoft.com/office/powerpoint/2010/main" val="2308120419"/>
       </p:ext>
     </p:extLst>
   </p:cSld>
@@ -8187,7 +7517,7 @@
         </p:nvSpPr>
         <p:spPr>
           <a:xfrm>
-            <a:off x="828654" y="242852"/>
+            <a:off x="854475" y="375635"/>
             <a:ext cx="7886700" cy="1325563"/>
           </a:xfrm>
         </p:spPr>
@@ -8197,100 +7527,51 @@
           <a:p>
             <a:r>
               <a:rPr lang="en-US" b="1" dirty="0"/>
-              <a:t>Conclusions</a:t>
-            </a:r>
-          </a:p>
-        </p:txBody>
-      </p:sp>
-      <p:sp>
-        <p:nvSpPr>
-          <p:cNvPr id="6" name="Segnaposto contenuto 10">
+              <a:t>Results: TASK B2</a:t>
+            </a:r>
+          </a:p>
+        </p:txBody>
+      </p:sp>
+      <p:pic>
+        <p:nvPicPr>
+          <p:cNvPr id="3" name="Picture 2">
             <a:extLst>
               <a:ext uri="{FF2B5EF4-FFF2-40B4-BE49-F238E27FC236}">
-                <a16:creationId xmlns:a16="http://schemas.microsoft.com/office/drawing/2014/main" id="{6957C78E-ABB5-3146-8BE8-AEFF0EA2A15B}"/>
+                <a16:creationId xmlns:a16="http://schemas.microsoft.com/office/drawing/2014/main" id="{B9FD00FE-ADF9-A44D-8373-F8C3C1E289BE}"/>
               </a:ext>
             </a:extLst>
           </p:cNvPr>
-          <p:cNvSpPr>
-            <a:spLocks noGrp="1"/>
-          </p:cNvSpPr>
-          <p:nvPr>
-            <p:ph idx="1"/>
-          </p:nvPr>
-        </p:nvSpPr>
-        <p:spPr>
-          <a:xfrm>
-            <a:off x="1032314" y="1480850"/>
-            <a:ext cx="6963623" cy="4781549"/>
-          </a:xfrm>
-        </p:spPr>
-        <p:txBody>
-          <a:bodyPr>
-            <a:normAutofit/>
-          </a:bodyPr>
-          <a:lstStyle/>
-          <a:p>
-            <a:pPr>
-              <a:lnSpc>
-                <a:spcPct val="150000"/>
-              </a:lnSpc>
-              <a:buFont typeface="Wingdings" charset="2"/>
-              <a:buChar char="§"/>
-            </a:pPr>
-            <a:r>
-              <a:rPr lang="en-US" dirty="0">
-                <a:latin typeface="+mj-lt"/>
-                <a:ea typeface="Fira Sans Light" charset="0"/>
-                <a:cs typeface="Fira Sans Light" charset="0"/>
-              </a:rPr>
-              <a:t>With smaller Epsilon performance does not increase considerably</a:t>
-            </a:r>
-            <a:endParaRPr lang="en-US" sz="2800" dirty="0">
-              <a:latin typeface="+mj-lt"/>
-              <a:ea typeface="Fira Sans Light" charset="0"/>
-              <a:cs typeface="Fira Sans Light" charset="0"/>
-            </a:endParaRPr>
-          </a:p>
-          <a:p>
-            <a:pPr>
-              <a:lnSpc>
-                <a:spcPct val="150000"/>
-              </a:lnSpc>
-              <a:buFont typeface="Wingdings" charset="2"/>
-              <a:buChar char="§"/>
-            </a:pPr>
-            <a:r>
-              <a:rPr lang="en-US" dirty="0">
-                <a:latin typeface="+mj-lt"/>
-                <a:ea typeface="Fira Sans Light" charset="0"/>
-                <a:cs typeface="Fira Sans Light" charset="0"/>
-              </a:rPr>
-              <a:t>The difference in performance between random and splitting initialization is minimal</a:t>
-            </a:r>
-          </a:p>
-          <a:p>
-            <a:pPr>
-              <a:lnSpc>
-                <a:spcPct val="150000"/>
-              </a:lnSpc>
-              <a:buFont typeface="Wingdings" charset="2"/>
-              <a:buChar char="§"/>
-            </a:pPr>
-            <a:r>
-              <a:rPr lang="en-US" sz="2800" dirty="0">
-                <a:latin typeface="+mj-lt"/>
-                <a:ea typeface="Fira Sans Light" charset="0"/>
-                <a:cs typeface="Fira Sans Light" charset="0"/>
-              </a:rPr>
-              <a:t>Visible artifacts when using blocks of dimension 16, but higher compression</a:t>
-            </a:r>
-          </a:p>
-        </p:txBody>
-      </p:sp>
+          <p:cNvPicPr>
+            <a:picLocks noChangeAspect="1"/>
+          </p:cNvPicPr>
+          <p:nvPr/>
+        </p:nvPicPr>
+        <p:blipFill>
+          <a:blip r:embed="rId2">
+            <a:extLst>
+              <a:ext uri="{28A0092B-C50C-407E-A947-70E740481C1C}">
+                <a14:useLocalDpi xmlns:a14="http://schemas.microsoft.com/office/drawing/2010/main" val="0"/>
+              </a:ext>
+            </a:extLst>
+          </a:blip>
+          <a:stretch>
+            <a:fillRect/>
+          </a:stretch>
+        </p:blipFill>
+        <p:spPr>
+          <a:xfrm>
+            <a:off x="1360968" y="1547038"/>
+            <a:ext cx="6692400" cy="4684680"/>
+          </a:xfrm>
+          <a:prstGeom prst="rect">
+            <a:avLst/>
+          </a:prstGeom>
+        </p:spPr>
+      </p:pic>
     </p:spTree>
     <p:extLst>
       <p:ext uri="{BB962C8B-B14F-4D97-AF65-F5344CB8AC3E}">
-        <p14:creationId xmlns:p14="http://schemas.microsoft.com/office/powerpoint/2010/main" val="378918219"/>
+        <p14:creationId xmlns:p14="http://schemas.microsoft.com/office/powerpoint/2010/main" val="1729677533"/>
       </p:ext>
     </p:extLst>
   </p:cSld>
@@ -8329,7 +7610,7 @@
         </p:nvSpPr>
         <p:spPr>
           <a:xfrm>
-            <a:off x="828654" y="242852"/>
+            <a:off x="854475" y="375635"/>
             <a:ext cx="7886700" cy="1325563"/>
           </a:xfrm>
         </p:spPr>
@@ -8339,119 +7620,294 @@
           <a:p>
             <a:r>
               <a:rPr lang="en-US" b="1" dirty="0"/>
-              <a:t>Conclusions</a:t>
-            </a:r>
-          </a:p>
-        </p:txBody>
-      </p:sp>
-      <p:sp>
-        <p:nvSpPr>
-          <p:cNvPr id="6" name="Segnaposto contenuto 10">
+              <a:t>Results: TASK B2</a:t>
+            </a:r>
+          </a:p>
+        </p:txBody>
+      </p:sp>
+      <p:pic>
+        <p:nvPicPr>
+          <p:cNvPr id="4" name="Picture 3">
             <a:extLst>
               <a:ext uri="{FF2B5EF4-FFF2-40B4-BE49-F238E27FC236}">
-                <a16:creationId xmlns:a16="http://schemas.microsoft.com/office/drawing/2014/main" id="{6957C78E-ABB5-3146-8BE8-AEFF0EA2A15B}"/>
+                <a16:creationId xmlns:a16="http://schemas.microsoft.com/office/drawing/2014/main" id="{DD8A2171-B7B5-E14B-8505-3A73BD42D9B4}"/>
               </a:ext>
             </a:extLst>
           </p:cNvPr>
-          <p:cNvSpPr>
-            <a:spLocks noGrp="1"/>
-          </p:cNvSpPr>
-          <p:nvPr>
-            <p:ph idx="1"/>
-          </p:nvPr>
-        </p:nvSpPr>
-        <p:spPr>
-          <a:xfrm>
-            <a:off x="1032314" y="1480850"/>
-            <a:ext cx="6963623" cy="4781549"/>
-          </a:xfrm>
-        </p:spPr>
-        <p:txBody>
-          <a:bodyPr>
-            <a:normAutofit/>
-          </a:bodyPr>
-          <a:lstStyle/>
-          <a:p>
-            <a:pPr>
-              <a:lnSpc>
-                <a:spcPct val="150000"/>
-              </a:lnSpc>
-              <a:buFont typeface="Wingdings" charset="2"/>
-              <a:buChar char="§"/>
-            </a:pPr>
-            <a:r>
-              <a:rPr lang="en-US" sz="2800" dirty="0">
-                <a:latin typeface="+mj-lt"/>
-                <a:ea typeface="Fira Sans Light" charset="0"/>
-                <a:cs typeface="Fira Sans Light" charset="0"/>
-              </a:rPr>
-              <a:t>Pyramidal initialization has almost the same performance but with faster convergence</a:t>
-            </a:r>
-          </a:p>
-          <a:p>
-            <a:pPr>
-              <a:lnSpc>
-                <a:spcPct val="150000"/>
-              </a:lnSpc>
-              <a:buFont typeface="Wingdings" charset="2"/>
-              <a:buChar char="§"/>
-            </a:pPr>
-            <a:r>
-              <a:rPr lang="en-US" dirty="0">
-                <a:latin typeface="+mj-lt"/>
-                <a:ea typeface="Fira Sans Light" charset="0"/>
-                <a:cs typeface="Fira Sans Light" charset="0"/>
-              </a:rPr>
-              <a:t>It would be interesting to study this technique with </a:t>
-            </a:r>
-            <a:r>
-              <a:rPr lang="en-US">
-                <a:latin typeface="+mj-lt"/>
-                <a:ea typeface="Fira Sans Light" charset="0"/>
-                <a:cs typeface="Fira Sans Light" charset="0"/>
-              </a:rPr>
-              <a:t>larger codebooks </a:t>
-            </a:r>
-            <a:endParaRPr lang="en-US" sz="2800" dirty="0">
-              <a:latin typeface="+mj-lt"/>
-              <a:ea typeface="Fira Sans Light" charset="0"/>
-              <a:cs typeface="Fira Sans Light" charset="0"/>
-            </a:endParaRPr>
-          </a:p>
-          <a:p>
-            <a:pPr>
-              <a:lnSpc>
-                <a:spcPct val="150000"/>
-              </a:lnSpc>
-              <a:buFont typeface="Wingdings" charset="2"/>
-              <a:buChar char="§"/>
-            </a:pPr>
-            <a:endParaRPr lang="en-US" dirty="0">
-              <a:latin typeface="+mj-lt"/>
-              <a:ea typeface="Fira Sans Light" charset="0"/>
-              <a:cs typeface="Fira Sans Light" charset="0"/>
-            </a:endParaRPr>
-          </a:p>
-          <a:p>
-            <a:pPr>
-              <a:lnSpc>
-                <a:spcPct val="150000"/>
-              </a:lnSpc>
-              <a:buFont typeface="Wingdings" charset="2"/>
-              <a:buChar char="§"/>
-            </a:pPr>
-            <a:endParaRPr lang="en-US" sz="2800" dirty="0">
-              <a:latin typeface="+mj-lt"/>
-              <a:ea typeface="Fira Sans Light" charset="0"/>
-              <a:cs typeface="Fira Sans Light" charset="0"/>
-            </a:endParaRPr>
-          </a:p>
-        </p:txBody>
-      </p:sp>
+          <p:cNvPicPr>
+            <a:picLocks noChangeAspect="1"/>
+          </p:cNvPicPr>
+          <p:nvPr/>
+        </p:nvPicPr>
+        <p:blipFill>
+          <a:blip r:embed="rId2">
+            <a:extLst>
+              <a:ext uri="{28A0092B-C50C-407E-A947-70E740481C1C}">
+                <a14:useLocalDpi xmlns:a14="http://schemas.microsoft.com/office/drawing/2010/main" val="0"/>
+              </a:ext>
+            </a:extLst>
+          </a:blip>
+          <a:stretch>
+            <a:fillRect/>
+          </a:stretch>
+        </p:blipFill>
+        <p:spPr>
+          <a:xfrm>
+            <a:off x="606056" y="1484059"/>
+            <a:ext cx="8537944" cy="5187054"/>
+          </a:xfrm>
+          <a:prstGeom prst="rect">
+            <a:avLst/>
+          </a:prstGeom>
+        </p:spPr>
+      </p:pic>
     </p:spTree>
     <p:extLst>
       <p:ext uri="{BB962C8B-B14F-4D97-AF65-F5344CB8AC3E}">
-        <p14:creationId xmlns:p14="http://schemas.microsoft.com/office/powerpoint/2010/main" val="2888115513"/>
+        <p14:creationId xmlns:p14="http://schemas.microsoft.com/office/powerpoint/2010/main" val="3563458713"/>
+      </p:ext>
+    </p:extLst>
+  </p:cSld>
+  <p:clrMapOvr>
+    <a:masterClrMapping/>
+  </p:clrMapOvr>
+</p:sld>
+</file>
+
+<file path=ppt/slides/slide16.xml><?xml version="1.0" encoding="utf-8"?>
+<p:sld xmlns:a="http://schemas.openxmlformats.org/drawingml/2006/main" xmlns:r="http://schemas.openxmlformats.org/officeDocument/2006/relationships" xmlns:p="http://schemas.openxmlformats.org/presentationml/2006/main">
+  <p:cSld>
+    <p:spTree>
+      <p:nvGrpSpPr>
+        <p:cNvPr id="1" name=""/>
+        <p:cNvGrpSpPr/>
+        <p:nvPr/>
+      </p:nvGrpSpPr>
+      <p:grpSpPr>
+        <a:xfrm>
+          <a:off x="0" y="0"/>
+          <a:ext cx="0" cy="0"/>
+          <a:chOff x="0" y="0"/>
+          <a:chExt cx="0" cy="0"/>
+        </a:xfrm>
+      </p:grpSpPr>
+      <p:sp>
+        <p:nvSpPr>
+          <p:cNvPr id="10" name="Titolo 9"/>
+          <p:cNvSpPr>
+            <a:spLocks noGrp="1"/>
+          </p:cNvSpPr>
+          <p:nvPr>
+            <p:ph type="title"/>
+          </p:nvPr>
+        </p:nvSpPr>
+        <p:spPr>
+          <a:xfrm>
+            <a:off x="854475" y="375635"/>
+            <a:ext cx="7886700" cy="1325563"/>
+          </a:xfrm>
+        </p:spPr>
+        <p:txBody>
+          <a:bodyPr/>
+          <a:lstStyle/>
+          <a:p>
+            <a:r>
+              <a:rPr lang="en-US" b="1" dirty="0"/>
+              <a:t>Results: single subject</a:t>
+            </a:r>
+          </a:p>
+        </p:txBody>
+      </p:sp>
+      <p:pic>
+        <p:nvPicPr>
+          <p:cNvPr id="6" name="Picture 5">
+            <a:extLst>
+              <a:ext uri="{FF2B5EF4-FFF2-40B4-BE49-F238E27FC236}">
+                <a16:creationId xmlns:a16="http://schemas.microsoft.com/office/drawing/2014/main" id="{22E9488E-25D0-D24B-B08A-10E3E18AABF9}"/>
+              </a:ext>
+            </a:extLst>
+          </p:cNvPr>
+          <p:cNvPicPr>
+            <a:picLocks noChangeAspect="1"/>
+          </p:cNvPicPr>
+          <p:nvPr/>
+        </p:nvPicPr>
+        <p:blipFill>
+          <a:blip r:embed="rId2">
+            <a:extLst>
+              <a:ext uri="{28A0092B-C50C-407E-A947-70E740481C1C}">
+                <a14:useLocalDpi xmlns:a14="http://schemas.microsoft.com/office/drawing/2010/main" val="0"/>
+              </a:ext>
+            </a:extLst>
+          </a:blip>
+          <a:stretch>
+            <a:fillRect/>
+          </a:stretch>
+        </p:blipFill>
+        <p:spPr>
+          <a:xfrm rot="16200000">
+            <a:off x="2353013" y="140322"/>
+            <a:ext cx="4671891" cy="6858000"/>
+          </a:xfrm>
+          <a:prstGeom prst="rect">
+            <a:avLst/>
+          </a:prstGeom>
+        </p:spPr>
+      </p:pic>
+    </p:spTree>
+    <p:extLst>
+      <p:ext uri="{BB962C8B-B14F-4D97-AF65-F5344CB8AC3E}">
+        <p14:creationId xmlns:p14="http://schemas.microsoft.com/office/powerpoint/2010/main" val="3030012677"/>
+      </p:ext>
+    </p:extLst>
+  </p:cSld>
+  <p:clrMapOvr>
+    <a:masterClrMapping/>
+  </p:clrMapOvr>
+</p:sld>
+</file>
+
+<file path=ppt/slides/slide17.xml><?xml version="1.0" encoding="utf-8"?>
+<p:sld xmlns:a="http://schemas.openxmlformats.org/drawingml/2006/main" xmlns:r="http://schemas.openxmlformats.org/officeDocument/2006/relationships" xmlns:p="http://schemas.openxmlformats.org/presentationml/2006/main">
+  <p:cSld>
+    <p:spTree>
+      <p:nvGrpSpPr>
+        <p:cNvPr id="1" name=""/>
+        <p:cNvGrpSpPr/>
+        <p:nvPr/>
+      </p:nvGrpSpPr>
+      <p:grpSpPr>
+        <a:xfrm>
+          <a:off x="0" y="0"/>
+          <a:ext cx="0" cy="0"/>
+          <a:chOff x="0" y="0"/>
+          <a:chExt cx="0" cy="0"/>
+        </a:xfrm>
+      </p:grpSpPr>
+      <p:sp>
+        <p:nvSpPr>
+          <p:cNvPr id="10" name="Titolo 9"/>
+          <p:cNvSpPr>
+            <a:spLocks noGrp="1"/>
+          </p:cNvSpPr>
+          <p:nvPr>
+            <p:ph type="title"/>
+          </p:nvPr>
+        </p:nvSpPr>
+        <p:spPr>
+          <a:xfrm>
+            <a:off x="854475" y="375635"/>
+            <a:ext cx="7886700" cy="1325563"/>
+          </a:xfrm>
+        </p:spPr>
+        <p:txBody>
+          <a:bodyPr/>
+          <a:lstStyle/>
+          <a:p>
+            <a:r>
+              <a:rPr lang="en-US" b="1" dirty="0"/>
+              <a:t>Results: ad-hoc configurations</a:t>
+            </a:r>
+          </a:p>
+        </p:txBody>
+      </p:sp>
+      <p:pic>
+        <p:nvPicPr>
+          <p:cNvPr id="12" name="Picture 11">
+            <a:extLst>
+              <a:ext uri="{FF2B5EF4-FFF2-40B4-BE49-F238E27FC236}">
+                <a16:creationId xmlns:a16="http://schemas.microsoft.com/office/drawing/2014/main" id="{2A10FF09-C63F-BD42-B4E9-5570F90FBBC8}"/>
+              </a:ext>
+            </a:extLst>
+          </p:cNvPr>
+          <p:cNvPicPr>
+            <a:picLocks noChangeAspect="1"/>
+          </p:cNvPicPr>
+          <p:nvPr/>
+        </p:nvPicPr>
+        <p:blipFill>
+          <a:blip r:embed="rId2">
+            <a:extLst>
+              <a:ext uri="{28A0092B-C50C-407E-A947-70E740481C1C}">
+                <a14:useLocalDpi xmlns:a14="http://schemas.microsoft.com/office/drawing/2010/main" val="0"/>
+              </a:ext>
+            </a:extLst>
+          </a:blip>
+          <a:stretch>
+            <a:fillRect/>
+          </a:stretch>
+        </p:blipFill>
+        <p:spPr>
+          <a:xfrm rot="16200000">
+            <a:off x="2392885" y="243989"/>
+            <a:ext cx="4629361" cy="6586867"/>
+          </a:xfrm>
+          <a:prstGeom prst="rect">
+            <a:avLst/>
+          </a:prstGeom>
+        </p:spPr>
+      </p:pic>
+    </p:spTree>
+    <p:extLst>
+      <p:ext uri="{BB962C8B-B14F-4D97-AF65-F5344CB8AC3E}">
+        <p14:creationId xmlns:p14="http://schemas.microsoft.com/office/powerpoint/2010/main" val="761807644"/>
+      </p:ext>
+    </p:extLst>
+  </p:cSld>
+  <p:clrMapOvr>
+    <a:masterClrMapping/>
+  </p:clrMapOvr>
+</p:sld>
+</file>
+
+<file path=ppt/slides/slide18.xml><?xml version="1.0" encoding="utf-8"?>
+<p:sld xmlns:a="http://schemas.openxmlformats.org/drawingml/2006/main" xmlns:r="http://schemas.openxmlformats.org/officeDocument/2006/relationships" xmlns:p="http://schemas.openxmlformats.org/presentationml/2006/main">
+  <p:cSld>
+    <p:spTree>
+      <p:nvGrpSpPr>
+        <p:cNvPr id="1" name=""/>
+        <p:cNvGrpSpPr/>
+        <p:nvPr/>
+      </p:nvGrpSpPr>
+      <p:grpSpPr>
+        <a:xfrm>
+          <a:off x="0" y="0"/>
+          <a:ext cx="0" cy="0"/>
+          <a:chOff x="0" y="0"/>
+          <a:chExt cx="0" cy="0"/>
+        </a:xfrm>
+      </p:grpSpPr>
+      <p:sp>
+        <p:nvSpPr>
+          <p:cNvPr id="10" name="Titolo 9"/>
+          <p:cNvSpPr>
+            <a:spLocks noGrp="1"/>
+          </p:cNvSpPr>
+          <p:nvPr>
+            <p:ph type="title"/>
+          </p:nvPr>
+        </p:nvSpPr>
+        <p:spPr>
+          <a:xfrm>
+            <a:off x="854475" y="375635"/>
+            <a:ext cx="7886700" cy="1325563"/>
+          </a:xfrm>
+        </p:spPr>
+        <p:txBody>
+          <a:bodyPr/>
+          <a:lstStyle/>
+          <a:p>
+            <a:r>
+              <a:rPr lang="en-US" b="1" dirty="0"/>
+              <a:t>Conclusions &amp; Future works</a:t>
+            </a:r>
+          </a:p>
+        </p:txBody>
+      </p:sp>
+    </p:spTree>
+    <p:extLst>
+      <p:ext uri="{BB962C8B-B14F-4D97-AF65-F5344CB8AC3E}">
+        <p14:creationId xmlns:p14="http://schemas.microsoft.com/office/powerpoint/2010/main" val="3199536913"/>
       </p:ext>
     </p:extLst>
   </p:cSld>
@@ -8523,7 +7979,7 @@
         </p:spPr>
         <p:txBody>
           <a:bodyPr>
-            <a:normAutofit lnSpcReduction="10000"/>
+            <a:normAutofit/>
           </a:bodyPr>
           <a:lstStyle/>
           <a:p>
@@ -8562,8 +8018,13 @@
                 <a:ea typeface="Fira Sans Light" charset="0"/>
                 <a:cs typeface="Fira Sans Light" charset="0"/>
               </a:rPr>
-              <a:t>Vector Quantization</a:t>
-            </a:r>
+              <a:t>Related work</a:t>
+            </a:r>
+            <a:endParaRPr lang="en-US" sz="2800" dirty="0">
+              <a:latin typeface="+mj-lt"/>
+              <a:ea typeface="Fira Sans Light" charset="0"/>
+              <a:cs typeface="Fira Sans Light" charset="0"/>
+            </a:endParaRPr>
           </a:p>
           <a:p>
             <a:pPr>
@@ -8574,12 +8035,12 @@
               <a:buChar char="§"/>
             </a:pPr>
             <a:r>
-              <a:rPr lang="en-US" sz="2800" dirty="0">
+              <a:rPr lang="en-US" dirty="0">
                 <a:latin typeface="+mj-lt"/>
                 <a:ea typeface="Fira Sans Light" charset="0"/>
                 <a:cs typeface="Fira Sans Light" charset="0"/>
               </a:rPr>
-              <a:t>LBG algorithm</a:t>
+              <a:t>Opportunity dataset</a:t>
             </a:r>
           </a:p>
           <a:p>
@@ -8596,60 +8057,8 @@
                 <a:ea typeface="Fira Sans Light" charset="0"/>
                 <a:cs typeface="Fira Sans Light" charset="0"/>
               </a:rPr>
-              <a:t>Performance </a:t>
-            </a:r>
-            <a:r>
-              <a:rPr lang="en-US" dirty="0">
-                <a:latin typeface="+mj-lt"/>
-                <a:ea typeface="Fira Sans Light" charset="0"/>
-                <a:cs typeface="Fira Sans Light" charset="0"/>
-              </a:rPr>
-              <a:t>analysis</a:t>
-            </a:r>
-            <a:endParaRPr lang="en-US" sz="2800" dirty="0">
-              <a:latin typeface="+mj-lt"/>
-              <a:ea typeface="Fira Sans Light" charset="0"/>
-              <a:cs typeface="Fira Sans Light" charset="0"/>
-            </a:endParaRPr>
-          </a:p>
-          <a:p>
-            <a:pPr lvl="1">
-              <a:lnSpc>
-                <a:spcPct val="150000"/>
-              </a:lnSpc>
-              <a:buFont typeface="Wingdings" charset="2"/>
-              <a:buChar char="§"/>
-            </a:pPr>
-            <a:r>
-              <a:rPr lang="en-US" sz="2400" dirty="0">
-                <a:latin typeface="+mj-lt"/>
-                <a:ea typeface="Fira Sans Light" charset="0"/>
-                <a:cs typeface="Fira Sans Light" charset="0"/>
-              </a:rPr>
-              <a:t>Random &amp; Splitting</a:t>
-            </a:r>
-          </a:p>
-          <a:p>
-            <a:pPr lvl="1">
-              <a:lnSpc>
-                <a:spcPct val="150000"/>
-              </a:lnSpc>
-              <a:buFont typeface="Wingdings" charset="2"/>
-              <a:buChar char="§"/>
-            </a:pPr>
-            <a:r>
-              <a:rPr lang="en-US" dirty="0">
-                <a:latin typeface="+mj-lt"/>
-                <a:ea typeface="Fira Sans Light" charset="0"/>
-                <a:cs typeface="Fira Sans Light" charset="0"/>
-              </a:rPr>
-              <a:t>Pyramidal Initialization</a:t>
-            </a:r>
-            <a:endParaRPr lang="en-US" sz="2400" dirty="0">
-              <a:latin typeface="+mj-lt"/>
-              <a:ea typeface="Fira Sans Light" charset="0"/>
-              <a:cs typeface="Fira Sans Light" charset="0"/>
-            </a:endParaRPr>
+              <a:t>Architectures description</a:t>
+            </a:r>
           </a:p>
           <a:p>
             <a:pPr>
@@ -8665,7 +8074,24 @@
                 <a:ea typeface="Fira Sans Light" charset="0"/>
                 <a:cs typeface="Fira Sans Light" charset="0"/>
               </a:rPr>
-              <a:t>Conclusions</a:t>
+              <a:t>Results</a:t>
+            </a:r>
+          </a:p>
+          <a:p>
+            <a:pPr>
+              <a:lnSpc>
+                <a:spcPct val="150000"/>
+              </a:lnSpc>
+              <a:buFont typeface="Wingdings" charset="2"/>
+              <a:buChar char="§"/>
+            </a:pPr>
+            <a:r>
+              <a:rPr lang="en-US" sz="2800" dirty="0">
+                <a:latin typeface="+mj-lt"/>
+                <a:ea typeface="Fira Sans Light" charset="0"/>
+                <a:cs typeface="Fira Sans Light" charset="0"/>
+              </a:rPr>
+              <a:t>Conclusions &amp; Future works</a:t>
             </a:r>
           </a:p>
         </p:txBody>
@@ -8981,7 +8407,7 @@
                 <a:ea typeface="Fira Sans Light" charset="0"/>
                 <a:cs typeface="Fira Sans Light" charset="0"/>
               </a:rPr>
-              <a:t>Why do we need compression?</a:t>
+              <a:t>Why human activity recognition</a:t>
             </a:r>
           </a:p>
           <a:p>
@@ -8998,7 +8424,75 @@
                 <a:ea typeface="Fira Sans Light" charset="0"/>
                 <a:cs typeface="Fira Sans Light" charset="0"/>
               </a:rPr>
-              <a:t>Lossless vs Lossy</a:t>
+              <a:t>Opportunity challenge</a:t>
+            </a:r>
+          </a:p>
+          <a:p>
+            <a:pPr lvl="1">
+              <a:lnSpc>
+                <a:spcPct val="150000"/>
+              </a:lnSpc>
+              <a:buFont typeface="Wingdings" charset="2"/>
+              <a:buChar char="§"/>
+            </a:pPr>
+            <a:r>
+              <a:rPr lang="en-US" dirty="0">
+                <a:latin typeface="+mj-lt"/>
+                <a:ea typeface="Fira Sans Light" charset="0"/>
+                <a:cs typeface="Fira Sans Light" charset="0"/>
+              </a:rPr>
+              <a:t>Task A: modes of locomotion</a:t>
+            </a:r>
+          </a:p>
+          <a:p>
+            <a:pPr lvl="1">
+              <a:lnSpc>
+                <a:spcPct val="150000"/>
+              </a:lnSpc>
+              <a:buFont typeface="Wingdings" charset="2"/>
+              <a:buChar char="§"/>
+            </a:pPr>
+            <a:r>
+              <a:rPr lang="en-US" dirty="0">
+                <a:latin typeface="+mj-lt"/>
+                <a:ea typeface="Fira Sans Light" charset="0"/>
+                <a:cs typeface="Fira Sans Light" charset="0"/>
+              </a:rPr>
+              <a:t>Task B1: activity vs no-activity</a:t>
+            </a:r>
+          </a:p>
+          <a:p>
+            <a:pPr lvl="1">
+              <a:lnSpc>
+                <a:spcPct val="150000"/>
+              </a:lnSpc>
+              <a:buFont typeface="Wingdings" charset="2"/>
+              <a:buChar char="§"/>
+            </a:pPr>
+            <a:r>
+              <a:rPr lang="en-US" dirty="0">
+                <a:latin typeface="+mj-lt"/>
+                <a:ea typeface="Fira Sans Light" charset="0"/>
+                <a:cs typeface="Fira Sans Light" charset="0"/>
+              </a:rPr>
+              <a:t>Task B2: gesture recognition</a:t>
+            </a:r>
+          </a:p>
+          <a:p>
+            <a:pPr lvl="1">
+              <a:lnSpc>
+                <a:spcPct val="150000"/>
+              </a:lnSpc>
+              <a:buFont typeface="Wingdings" charset="2"/>
+              <a:buChar char="§"/>
+            </a:pPr>
+            <a:r>
+              <a:rPr lang="en-US" dirty="0">
+                <a:latin typeface="+mj-lt"/>
+                <a:ea typeface="Fira Sans Light" charset="0"/>
+                <a:cs typeface="Fira Sans Light" charset="0"/>
+              </a:rPr>
+              <a:t>Task C: previous task with rotational noise</a:t>
             </a:r>
           </a:p>
           <a:p>
@@ -9009,14 +8503,11 @@
               <a:buFont typeface="Wingdings" charset="2"/>
               <a:buChar char="§"/>
             </a:pPr>
-            <a:r>
-              <a:rPr lang="en-US" dirty="0">
-                <a:latin typeface="+mj-lt"/>
-                <a:ea typeface="Fira Sans Light" charset="0"/>
-                <a:cs typeface="Fira Sans Light" charset="0"/>
-              </a:rPr>
-              <a:t>Scalar vs Vector Quantization</a:t>
-            </a:r>
+            <a:endParaRPr lang="en-US" dirty="0">
+              <a:latin typeface="+mj-lt"/>
+              <a:ea typeface="Fira Sans Light" charset="0"/>
+              <a:cs typeface="Fira Sans Light" charset="0"/>
+            </a:endParaRPr>
           </a:p>
           <a:p>
             <a:pPr>
@@ -9026,14 +8517,11 @@
               <a:buFont typeface="Wingdings" charset="2"/>
               <a:buChar char="§"/>
             </a:pPr>
-            <a:r>
-              <a:rPr lang="en-US" dirty="0">
-                <a:latin typeface="+mj-lt"/>
-                <a:ea typeface="Fira Sans Light" charset="0"/>
-                <a:cs typeface="Fira Sans Light" charset="0"/>
-              </a:rPr>
-              <a:t>Fundamental steps for VQ</a:t>
-            </a:r>
+            <a:endParaRPr lang="en-US" dirty="0">
+              <a:latin typeface="+mj-lt"/>
+              <a:ea typeface="Fira Sans Light" charset="0"/>
+              <a:cs typeface="Fira Sans Light" charset="0"/>
+            </a:endParaRPr>
           </a:p>
           <a:p>
             <a:pPr marL="0" indent="0">
@@ -9102,291 +8590,11 @@
           <a:p>
             <a:r>
               <a:rPr lang="en-US" b="1" dirty="0"/>
-              <a:t>Vector Quantization</a:t>
-            </a:r>
-          </a:p>
-        </p:txBody>
-      </p:sp>
-      <p:sp>
-        <p:nvSpPr>
-          <p:cNvPr id="3" name="Segnaposto contenuto 10">
-            <a:extLst>
-              <a:ext uri="{FF2B5EF4-FFF2-40B4-BE49-F238E27FC236}">
-                <a16:creationId xmlns:a16="http://schemas.microsoft.com/office/drawing/2014/main" id="{0132AC39-AE30-4D47-BB50-8F8F296040AF}"/>
-              </a:ext>
-            </a:extLst>
-          </p:cNvPr>
-          <p:cNvSpPr>
-            <a:spLocks noGrp="1"/>
-          </p:cNvSpPr>
-          <p:nvPr>
-            <p:ph idx="1"/>
-          </p:nvPr>
-        </p:nvSpPr>
-        <p:spPr>
-          <a:xfrm>
-            <a:off x="1032314" y="1480850"/>
-            <a:ext cx="6963623" cy="4781549"/>
-          </a:xfrm>
-        </p:spPr>
-        <p:txBody>
-          <a:bodyPr>
-            <a:normAutofit/>
-          </a:bodyPr>
-          <a:lstStyle/>
-          <a:p>
-            <a:pPr>
-              <a:lnSpc>
-                <a:spcPct val="150000"/>
-              </a:lnSpc>
-              <a:buFont typeface="Wingdings" charset="2"/>
-              <a:buChar char="§"/>
-            </a:pPr>
-            <a:r>
-              <a:rPr lang="en-US" sz="2800" dirty="0">
-                <a:latin typeface="+mj-lt"/>
-                <a:ea typeface="Fira Sans Light" charset="0"/>
-                <a:cs typeface="Fira Sans Light" charset="0"/>
-              </a:rPr>
-              <a:t>Quantization of a group of samples</a:t>
-            </a:r>
-          </a:p>
-          <a:p>
-            <a:pPr>
-              <a:lnSpc>
-                <a:spcPct val="150000"/>
-              </a:lnSpc>
-              <a:buFont typeface="Wingdings" charset="2"/>
-              <a:buChar char="§"/>
-            </a:pPr>
-            <a:r>
-              <a:rPr lang="en-US" dirty="0">
-                <a:latin typeface="+mj-lt"/>
-                <a:ea typeface="Fira Sans Light" charset="0"/>
-                <a:cs typeface="Fira Sans Light" charset="0"/>
-              </a:rPr>
-              <a:t>Codebook and decision regions</a:t>
-            </a:r>
-          </a:p>
-          <a:p>
-            <a:pPr>
-              <a:lnSpc>
-                <a:spcPct val="150000"/>
-              </a:lnSpc>
-              <a:buFont typeface="Wingdings" charset="2"/>
-              <a:buChar char="§"/>
-            </a:pPr>
-            <a:endParaRPr lang="en-US" dirty="0">
-              <a:latin typeface="+mj-lt"/>
-              <a:ea typeface="Fira Sans Light" charset="0"/>
-              <a:cs typeface="Fira Sans Light" charset="0"/>
-            </a:endParaRPr>
-          </a:p>
-          <a:p>
-            <a:pPr>
-              <a:lnSpc>
-                <a:spcPct val="150000"/>
-              </a:lnSpc>
-              <a:buFont typeface="Wingdings" charset="2"/>
-              <a:buChar char="§"/>
-            </a:pPr>
-            <a:r>
-              <a:rPr lang="en-US" dirty="0">
-                <a:latin typeface="+mj-lt"/>
-                <a:ea typeface="Fira Sans Light" charset="0"/>
-                <a:cs typeface="Fira Sans Light" charset="0"/>
-              </a:rPr>
-              <a:t>Distortion measure</a:t>
-            </a:r>
-          </a:p>
-          <a:p>
-            <a:pPr marL="0" indent="0">
-              <a:lnSpc>
-                <a:spcPct val="150000"/>
-              </a:lnSpc>
-              <a:buNone/>
-            </a:pPr>
-            <a:endParaRPr lang="en-US" dirty="0">
-              <a:latin typeface="+mj-lt"/>
-              <a:ea typeface="Fira Sans Light" charset="0"/>
-              <a:cs typeface="Fira Sans Light" charset="0"/>
-            </a:endParaRPr>
-          </a:p>
-          <a:p>
-            <a:pPr marL="0" indent="0">
-              <a:lnSpc>
-                <a:spcPct val="150000"/>
-              </a:lnSpc>
-              <a:buNone/>
-            </a:pPr>
-            <a:r>
-              <a:rPr lang="en-US" dirty="0">
-                <a:latin typeface="+mj-lt"/>
-                <a:ea typeface="Fira Sans Light" charset="0"/>
-                <a:cs typeface="Fira Sans Light" charset="0"/>
-              </a:rPr>
-              <a:t> </a:t>
-            </a:r>
-          </a:p>
-          <a:p>
-            <a:pPr marL="0" indent="0">
-              <a:lnSpc>
-                <a:spcPct val="150000"/>
-              </a:lnSpc>
-              <a:buNone/>
-            </a:pPr>
-            <a:endParaRPr lang="en-US" dirty="0">
-              <a:latin typeface="+mj-lt"/>
-              <a:ea typeface="Fira Sans Light" charset="0"/>
-              <a:cs typeface="Fira Sans Light" charset="0"/>
-            </a:endParaRPr>
-          </a:p>
-        </p:txBody>
-      </p:sp>
-      <p:pic>
-        <p:nvPicPr>
-          <p:cNvPr id="4" name="Picture 3">
-            <a:extLst>
-              <a:ext uri="{FF2B5EF4-FFF2-40B4-BE49-F238E27FC236}">
-                <a16:creationId xmlns:a16="http://schemas.microsoft.com/office/drawing/2014/main" id="{03C902BB-7EDF-BB4E-8B10-A6358B6D8758}"/>
-              </a:ext>
-            </a:extLst>
-          </p:cNvPr>
-          <p:cNvPicPr>
-            <a:picLocks noChangeAspect="1"/>
-          </p:cNvPicPr>
-          <p:nvPr/>
-        </p:nvPicPr>
-        <p:blipFill>
-          <a:blip r:embed="rId2">
-            <a:extLst>
-              <a:ext uri="{28A0092B-C50C-407E-A947-70E740481C1C}">
-                <a14:useLocalDpi xmlns:a14="http://schemas.microsoft.com/office/drawing/2010/main" val="0"/>
-              </a:ext>
-            </a:extLst>
-          </a:blip>
-          <a:stretch>
-            <a:fillRect/>
-          </a:stretch>
-        </p:blipFill>
-        <p:spPr>
-          <a:xfrm>
-            <a:off x="1545220" y="3480448"/>
-            <a:ext cx="6400800" cy="482600"/>
-          </a:xfrm>
-          <a:prstGeom prst="rect">
-            <a:avLst/>
-          </a:prstGeom>
-        </p:spPr>
-      </p:pic>
-      <p:pic>
-        <p:nvPicPr>
-          <p:cNvPr id="6" name="Picture 5">
-            <a:extLst>
-              <a:ext uri="{FF2B5EF4-FFF2-40B4-BE49-F238E27FC236}">
-                <a16:creationId xmlns:a16="http://schemas.microsoft.com/office/drawing/2014/main" id="{8FB04098-ACEA-F34B-A4E1-27C1D523A083}"/>
-              </a:ext>
-            </a:extLst>
-          </p:cNvPr>
-          <p:cNvPicPr>
-            <a:picLocks noChangeAspect="1"/>
-          </p:cNvPicPr>
-          <p:nvPr/>
-        </p:nvPicPr>
-        <p:blipFill>
-          <a:blip r:embed="rId3">
-            <a:extLst>
-              <a:ext uri="{28A0092B-C50C-407E-A947-70E740481C1C}">
-                <a14:useLocalDpi xmlns:a14="http://schemas.microsoft.com/office/drawing/2010/main" val="0"/>
-              </a:ext>
-            </a:extLst>
-          </a:blip>
-          <a:stretch>
-            <a:fillRect/>
-          </a:stretch>
-        </p:blipFill>
-        <p:spPr>
-          <a:xfrm>
-            <a:off x="1545220" y="2975099"/>
-            <a:ext cx="2019300" cy="431800"/>
-          </a:xfrm>
-          <a:prstGeom prst="rect">
-            <a:avLst/>
-          </a:prstGeom>
-        </p:spPr>
-      </p:pic>
-      <p:pic>
-        <p:nvPicPr>
-          <p:cNvPr id="9" name="Picture 8">
-            <a:extLst>
-              <a:ext uri="{FF2B5EF4-FFF2-40B4-BE49-F238E27FC236}">
-                <a16:creationId xmlns:a16="http://schemas.microsoft.com/office/drawing/2014/main" id="{35BABF16-FA24-474C-977E-A6123430BCC1}"/>
-              </a:ext>
-            </a:extLst>
-          </p:cNvPr>
-          <p:cNvPicPr>
-            <a:picLocks noChangeAspect="1"/>
-          </p:cNvPicPr>
-          <p:nvPr/>
-        </p:nvPicPr>
-        <p:blipFill>
-          <a:blip r:embed="rId4">
-            <a:extLst>
-              <a:ext uri="{28A0092B-C50C-407E-A947-70E740481C1C}">
-                <a14:useLocalDpi xmlns:a14="http://schemas.microsoft.com/office/drawing/2010/main" val="0"/>
-              </a:ext>
-            </a:extLst>
-          </a:blip>
-          <a:stretch>
-            <a:fillRect/>
-          </a:stretch>
-        </p:blipFill>
-        <p:spPr>
-          <a:xfrm>
-            <a:off x="1545220" y="4522625"/>
-            <a:ext cx="2387600" cy="850900"/>
-          </a:xfrm>
-          <a:prstGeom prst="rect">
-            <a:avLst/>
-          </a:prstGeom>
-        </p:spPr>
-      </p:pic>
-      <p:pic>
-        <p:nvPicPr>
-          <p:cNvPr id="12" name="Picture 11">
-            <a:extLst>
-              <a:ext uri="{FF2B5EF4-FFF2-40B4-BE49-F238E27FC236}">
-                <a16:creationId xmlns:a16="http://schemas.microsoft.com/office/drawing/2014/main" id="{345DF43A-DCA4-BD4C-979D-11D5B57551E9}"/>
-              </a:ext>
-            </a:extLst>
-          </p:cNvPr>
-          <p:cNvPicPr>
-            <a:picLocks noChangeAspect="1"/>
-          </p:cNvPicPr>
-          <p:nvPr/>
-        </p:nvPicPr>
-        <p:blipFill>
-          <a:blip r:embed="rId5">
-            <a:extLst>
-              <a:ext uri="{28A0092B-C50C-407E-A947-70E740481C1C}">
-                <a14:useLocalDpi xmlns:a14="http://schemas.microsoft.com/office/drawing/2010/main" val="0"/>
-              </a:ext>
-            </a:extLst>
-          </a:blip>
-          <a:stretch>
-            <a:fillRect/>
-          </a:stretch>
-        </p:blipFill>
-        <p:spPr>
-          <a:xfrm>
-            <a:off x="1545220" y="5373525"/>
-            <a:ext cx="5257800" cy="825500"/>
-          </a:xfrm>
-          <a:prstGeom prst="rect">
-            <a:avLst/>
-          </a:prstGeom>
-        </p:spPr>
-      </p:pic>
+              <a:t>Related work</a:t>
+            </a:r>
+          </a:p>
+        </p:txBody>
+      </p:sp>
     </p:spTree>
     <p:extLst>
       <p:ext uri="{BB962C8B-B14F-4D97-AF65-F5344CB8AC3E}">
@@ -9439,182 +8647,15 @@
           <a:p>
             <a:r>
               <a:rPr lang="en-US" b="1" dirty="0"/>
-              <a:t>Vector Quantization</a:t>
-            </a:r>
-          </a:p>
-        </p:txBody>
-      </p:sp>
-      <p:sp>
-        <p:nvSpPr>
-          <p:cNvPr id="11" name="Segnaposto contenuto 10">
-            <a:extLst>
-              <a:ext uri="{FF2B5EF4-FFF2-40B4-BE49-F238E27FC236}">
-                <a16:creationId xmlns:a16="http://schemas.microsoft.com/office/drawing/2014/main" id="{7E57226D-E6A5-BB44-B537-B2B191A75904}"/>
-              </a:ext>
-            </a:extLst>
-          </p:cNvPr>
-          <p:cNvSpPr>
-            <a:spLocks noGrp="1"/>
-          </p:cNvSpPr>
-          <p:nvPr>
-            <p:ph idx="1"/>
-          </p:nvPr>
-        </p:nvSpPr>
-        <p:spPr>
-          <a:xfrm>
-            <a:off x="1032314" y="1480850"/>
-            <a:ext cx="6963623" cy="4781549"/>
-          </a:xfrm>
-        </p:spPr>
-        <p:txBody>
-          <a:bodyPr>
-            <a:normAutofit/>
-          </a:bodyPr>
-          <a:lstStyle/>
-          <a:p>
-            <a:pPr>
-              <a:lnSpc>
-                <a:spcPct val="150000"/>
-              </a:lnSpc>
-              <a:buFont typeface="Wingdings" charset="2"/>
-              <a:buChar char="§"/>
-            </a:pPr>
-            <a:r>
-              <a:rPr lang="en-US" sz="2800" dirty="0">
-                <a:latin typeface="+mj-lt"/>
-                <a:ea typeface="Fira Sans Light" charset="0"/>
-                <a:cs typeface="Fira Sans Light" charset="0"/>
-              </a:rPr>
-              <a:t>Nearest Neighbor condition </a:t>
-            </a:r>
-          </a:p>
-          <a:p>
-            <a:pPr>
-              <a:lnSpc>
-                <a:spcPct val="150000"/>
-              </a:lnSpc>
-              <a:buFont typeface="Wingdings" charset="2"/>
-              <a:buChar char="§"/>
-            </a:pPr>
-            <a:endParaRPr lang="en-US" dirty="0">
-              <a:latin typeface="+mj-lt"/>
-              <a:ea typeface="Fira Sans Light" charset="0"/>
-              <a:cs typeface="Fira Sans Light" charset="0"/>
-            </a:endParaRPr>
-          </a:p>
-          <a:p>
-            <a:pPr>
-              <a:lnSpc>
-                <a:spcPct val="150000"/>
-              </a:lnSpc>
-              <a:buFont typeface="Wingdings" pitchFamily="2" charset="2"/>
-              <a:buChar char="§"/>
-            </a:pPr>
-            <a:r>
-              <a:rPr lang="en-US" dirty="0">
-                <a:latin typeface="+mj-lt"/>
-                <a:ea typeface="Fira Sans Light" charset="0"/>
-                <a:cs typeface="Fira Sans Light" charset="0"/>
-              </a:rPr>
-              <a:t>Centroid condition</a:t>
-            </a:r>
-            <a:endParaRPr lang="en-US" sz="2800" dirty="0">
-              <a:latin typeface="+mj-lt"/>
-              <a:ea typeface="Fira Sans Light" charset="0"/>
-              <a:cs typeface="Fira Sans Light" charset="0"/>
-            </a:endParaRPr>
-          </a:p>
-          <a:p>
-            <a:pPr marL="0" indent="0">
-              <a:lnSpc>
-                <a:spcPct val="150000"/>
-              </a:lnSpc>
-              <a:buNone/>
-            </a:pPr>
-            <a:endParaRPr lang="en-US" sz="2800" dirty="0">
-              <a:latin typeface="+mj-lt"/>
-              <a:ea typeface="Fira Sans Light" charset="0"/>
-              <a:cs typeface="Fira Sans Light" charset="0"/>
-            </a:endParaRPr>
-          </a:p>
-        </p:txBody>
-      </p:sp>
-      <p:pic>
-        <p:nvPicPr>
-          <p:cNvPr id="7" name="Picture 6">
-            <a:extLst>
-              <a:ext uri="{FF2B5EF4-FFF2-40B4-BE49-F238E27FC236}">
-                <a16:creationId xmlns:a16="http://schemas.microsoft.com/office/drawing/2014/main" id="{F809A4B1-7D4E-794C-8643-1FE44C26DC0E}"/>
-              </a:ext>
-            </a:extLst>
-          </p:cNvPr>
-          <p:cNvPicPr>
-            <a:picLocks noChangeAspect="1"/>
-          </p:cNvPicPr>
-          <p:nvPr/>
-        </p:nvPicPr>
-        <p:blipFill>
-          <a:blip r:embed="rId2">
-            <a:extLst>
-              <a:ext uri="{28A0092B-C50C-407E-A947-70E740481C1C}">
-                <a14:useLocalDpi xmlns:a14="http://schemas.microsoft.com/office/drawing/2010/main" val="0"/>
-              </a:ext>
-            </a:extLst>
-          </a:blip>
-          <a:stretch>
-            <a:fillRect/>
-          </a:stretch>
-        </p:blipFill>
-        <p:spPr>
-          <a:xfrm>
-            <a:off x="1662975" y="2415000"/>
-            <a:ext cx="5702300" cy="393700"/>
-          </a:xfrm>
-          <a:prstGeom prst="rect">
-            <a:avLst/>
-          </a:prstGeom>
-        </p:spPr>
-      </p:pic>
-      <p:pic>
-        <p:nvPicPr>
-          <p:cNvPr id="13" name="Picture 12">
-            <a:extLst>
-              <a:ext uri="{FF2B5EF4-FFF2-40B4-BE49-F238E27FC236}">
-                <a16:creationId xmlns:a16="http://schemas.microsoft.com/office/drawing/2014/main" id="{C7CEFC4C-AD25-904C-812D-EDB4ED2447FA}"/>
-              </a:ext>
-            </a:extLst>
-          </p:cNvPr>
-          <p:cNvPicPr>
-            <a:picLocks noChangeAspect="1"/>
-          </p:cNvPicPr>
-          <p:nvPr/>
-        </p:nvPicPr>
-        <p:blipFill>
-          <a:blip r:embed="rId3">
-            <a:extLst>
-              <a:ext uri="{28A0092B-C50C-407E-A947-70E740481C1C}">
-                <a14:useLocalDpi xmlns:a14="http://schemas.microsoft.com/office/drawing/2010/main" val="0"/>
-              </a:ext>
-            </a:extLst>
-          </a:blip>
-          <a:stretch>
-            <a:fillRect/>
-          </a:stretch>
-        </p:blipFill>
-        <p:spPr>
-          <a:xfrm>
-            <a:off x="1662975" y="3924426"/>
-            <a:ext cx="4648200" cy="749300"/>
-          </a:xfrm>
-          <a:prstGeom prst="rect">
-            <a:avLst/>
-          </a:prstGeom>
-        </p:spPr>
-      </p:pic>
+              <a:t>Related work</a:t>
+            </a:r>
+          </a:p>
+        </p:txBody>
+      </p:sp>
     </p:spTree>
     <p:extLst>
       <p:ext uri="{BB962C8B-B14F-4D97-AF65-F5344CB8AC3E}">
-        <p14:creationId xmlns:p14="http://schemas.microsoft.com/office/powerpoint/2010/main" val="2998302789"/>
+        <p14:creationId xmlns:p14="http://schemas.microsoft.com/office/powerpoint/2010/main" val="3203895660"/>
       </p:ext>
     </p:extLst>
   </p:cSld>
@@ -9653,7 +8694,7 @@
         </p:nvSpPr>
         <p:spPr>
           <a:xfrm>
-            <a:off x="854475" y="375635"/>
+            <a:off x="802270" y="365124"/>
             <a:ext cx="7886700" cy="1325563"/>
           </a:xfrm>
         </p:spPr>
@@ -9663,267 +8704,15 @@
           <a:p>
             <a:r>
               <a:rPr lang="en-US" b="1" dirty="0"/>
-              <a:t>LBG algorithm</a:t>
-            </a:r>
-          </a:p>
-        </p:txBody>
-      </p:sp>
-      <p:sp>
-        <p:nvSpPr>
-          <p:cNvPr id="3" name="Segnaposto contenuto 10">
-            <a:extLst>
-              <a:ext uri="{FF2B5EF4-FFF2-40B4-BE49-F238E27FC236}">
-                <a16:creationId xmlns:a16="http://schemas.microsoft.com/office/drawing/2014/main" id="{C65B4C3D-CF0E-0E49-A274-C893458CDF05}"/>
-              </a:ext>
-            </a:extLst>
-          </p:cNvPr>
-          <p:cNvSpPr>
-            <a:spLocks noGrp="1"/>
-          </p:cNvSpPr>
-          <p:nvPr>
-            <p:ph idx="1"/>
-          </p:nvPr>
-        </p:nvSpPr>
-        <p:spPr>
-          <a:xfrm>
-            <a:off x="1032314" y="1480850"/>
-            <a:ext cx="6963623" cy="4781549"/>
-          </a:xfrm>
-        </p:spPr>
-        <p:txBody>
-          <a:bodyPr>
-            <a:normAutofit fontScale="92500" lnSpcReduction="10000"/>
-          </a:bodyPr>
-          <a:lstStyle/>
-          <a:p>
-            <a:pPr marL="514350" indent="-514350">
-              <a:lnSpc>
-                <a:spcPct val="150000"/>
-              </a:lnSpc>
-              <a:buFont typeface="+mj-lt"/>
-              <a:buAutoNum type="arabicPeriod"/>
-            </a:pPr>
-            <a:r>
-              <a:rPr lang="en-US" sz="2800" dirty="0">
-                <a:latin typeface="+mj-lt"/>
-                <a:ea typeface="Fira Sans Light" charset="0"/>
-                <a:cs typeface="Fira Sans Light" charset="0"/>
-              </a:rPr>
-              <a:t>Compute </a:t>
-            </a:r>
-            <a:r>
-              <a:rPr lang="en-US" dirty="0">
-                <a:latin typeface="+mj-lt"/>
-                <a:ea typeface="Fira Sans Light" charset="0"/>
-                <a:cs typeface="Fira Sans Light" charset="0"/>
-              </a:rPr>
-              <a:t>the initial codebook</a:t>
-            </a:r>
-            <a:endParaRPr lang="en-US" sz="2800" dirty="0">
-              <a:latin typeface="+mj-lt"/>
-              <a:ea typeface="Fira Sans Light" charset="0"/>
-              <a:cs typeface="Fira Sans Light" charset="0"/>
-            </a:endParaRPr>
-          </a:p>
-          <a:p>
-            <a:pPr marL="514350" indent="-514350">
-              <a:lnSpc>
-                <a:spcPct val="150000"/>
-              </a:lnSpc>
-              <a:buFont typeface="+mj-lt"/>
-              <a:buAutoNum type="arabicPeriod"/>
-            </a:pPr>
-            <a:r>
-              <a:rPr lang="en-US" dirty="0">
-                <a:latin typeface="+mj-lt"/>
-                <a:ea typeface="Fira Sans Light" charset="0"/>
-                <a:cs typeface="Fira Sans Light" charset="0"/>
-              </a:rPr>
-              <a:t>Identify the decision regions according to:</a:t>
-            </a:r>
-          </a:p>
-          <a:p>
-            <a:pPr marL="514350" indent="-514350">
-              <a:lnSpc>
-                <a:spcPct val="150000"/>
-              </a:lnSpc>
-              <a:buFont typeface="+mj-lt"/>
-              <a:buAutoNum type="arabicPeriod"/>
-            </a:pPr>
-            <a:endParaRPr lang="en-US" dirty="0">
-              <a:latin typeface="+mj-lt"/>
-              <a:ea typeface="Fira Sans Light" charset="0"/>
-              <a:cs typeface="Fira Sans Light" charset="0"/>
-            </a:endParaRPr>
-          </a:p>
-          <a:p>
-            <a:pPr marL="514350" indent="-514350">
-              <a:lnSpc>
-                <a:spcPct val="150000"/>
-              </a:lnSpc>
-              <a:buFont typeface="+mj-lt"/>
-              <a:buAutoNum type="arabicPeriod"/>
-            </a:pPr>
-            <a:r>
-              <a:rPr lang="en-US" dirty="0">
-                <a:latin typeface="+mj-lt"/>
-                <a:ea typeface="Fira Sans Light" charset="0"/>
-                <a:cs typeface="Fira Sans Light" charset="0"/>
-              </a:rPr>
-              <a:t>Compute the new </a:t>
-            </a:r>
-            <a:r>
-              <a:rPr lang="en-US" dirty="0" err="1">
-                <a:latin typeface="+mj-lt"/>
-                <a:ea typeface="Fira Sans Light" charset="0"/>
-                <a:cs typeface="Fira Sans Light" charset="0"/>
-              </a:rPr>
-              <a:t>codevectors</a:t>
-            </a:r>
-            <a:endParaRPr lang="en-US" sz="2800" dirty="0">
-              <a:latin typeface="+mj-lt"/>
-              <a:ea typeface="Fira Sans Light" charset="0"/>
-              <a:cs typeface="Fira Sans Light" charset="0"/>
-            </a:endParaRPr>
-          </a:p>
-          <a:p>
-            <a:pPr marL="514350" indent="-514350">
-              <a:lnSpc>
-                <a:spcPct val="150000"/>
-              </a:lnSpc>
-              <a:buFont typeface="+mj-lt"/>
-              <a:buAutoNum type="arabicPeriod"/>
-            </a:pPr>
-            <a:r>
-              <a:rPr lang="en-US" dirty="0">
-                <a:latin typeface="+mj-lt"/>
-                <a:ea typeface="Fira Sans Light" charset="0"/>
-                <a:cs typeface="Fira Sans Light" charset="0"/>
-              </a:rPr>
-              <a:t>Evaluate the distortion</a:t>
-            </a:r>
-            <a:endParaRPr lang="en-US" sz="2800" dirty="0">
-              <a:latin typeface="+mj-lt"/>
-              <a:ea typeface="Fira Sans Light" charset="0"/>
-              <a:cs typeface="Fira Sans Light" charset="0"/>
-            </a:endParaRPr>
-          </a:p>
-          <a:p>
-            <a:pPr marL="514350" indent="-514350">
-              <a:lnSpc>
-                <a:spcPct val="150000"/>
-              </a:lnSpc>
-              <a:buFont typeface="+mj-lt"/>
-              <a:buAutoNum type="arabicPeriod"/>
-            </a:pPr>
-            <a:r>
-              <a:rPr lang="en-US" sz="2800" dirty="0">
-                <a:latin typeface="+mj-lt"/>
-                <a:ea typeface="Fira Sans Light" charset="0"/>
-                <a:cs typeface="Fira Sans Light" charset="0"/>
-              </a:rPr>
-              <a:t>Check the terminate condition: </a:t>
-            </a:r>
-          </a:p>
-          <a:p>
-            <a:pPr marL="0" indent="0">
-              <a:lnSpc>
-                <a:spcPct val="150000"/>
-              </a:lnSpc>
-              <a:buNone/>
-            </a:pPr>
-            <a:r>
-              <a:rPr lang="en-US" dirty="0">
-                <a:latin typeface="+mj-lt"/>
-                <a:ea typeface="Fira Sans Light" charset="0"/>
-                <a:cs typeface="Fira Sans Light" charset="0"/>
-              </a:rPr>
-              <a:t>If terminate condition is not met, restart from 2</a:t>
-            </a:r>
-            <a:endParaRPr lang="en-US" sz="2800" dirty="0">
-              <a:latin typeface="+mj-lt"/>
-              <a:ea typeface="Fira Sans Light" charset="0"/>
-              <a:cs typeface="Fira Sans Light" charset="0"/>
-            </a:endParaRPr>
-          </a:p>
-        </p:txBody>
-      </p:sp>
-      <p:pic>
-        <p:nvPicPr>
-          <p:cNvPr id="4" name="Picture 3">
-            <a:extLst>
-              <a:ext uri="{FF2B5EF4-FFF2-40B4-BE49-F238E27FC236}">
-                <a16:creationId xmlns:a16="http://schemas.microsoft.com/office/drawing/2014/main" id="{72BA098E-3C14-3242-AD14-9C6CDE93FB9F}"/>
-              </a:ext>
-            </a:extLst>
-          </p:cNvPr>
-          <p:cNvPicPr>
-            <a:picLocks noChangeAspect="1"/>
-          </p:cNvPicPr>
-          <p:nvPr/>
-        </p:nvPicPr>
-        <p:blipFill>
-          <a:blip r:embed="rId2">
-            <a:extLst>
-              <a:ext uri="{28A0092B-C50C-407E-A947-70E740481C1C}">
-                <a14:useLocalDpi xmlns:a14="http://schemas.microsoft.com/office/drawing/2010/main" val="0"/>
-              </a:ext>
-            </a:extLst>
-          </a:blip>
-          <a:stretch>
-            <a:fillRect/>
-          </a:stretch>
-        </p:blipFill>
-        <p:spPr>
-          <a:xfrm>
-            <a:off x="1324375" y="2926835"/>
-            <a:ext cx="7416800" cy="584200"/>
-          </a:xfrm>
-          <a:prstGeom prst="rect">
-            <a:avLst/>
-          </a:prstGeom>
-        </p:spPr>
-      </p:pic>
-      <p:pic>
-        <p:nvPicPr>
-          <p:cNvPr id="6" name="Picture 5">
-            <a:extLst>
-              <a:ext uri="{FF2B5EF4-FFF2-40B4-BE49-F238E27FC236}">
-                <a16:creationId xmlns:a16="http://schemas.microsoft.com/office/drawing/2014/main" id="{BF26225E-A51A-E04D-8083-A55FFAF5204E}"/>
-              </a:ext>
-            </a:extLst>
-          </p:cNvPr>
-          <p:cNvPicPr>
-            <a:picLocks noChangeAspect="1"/>
-          </p:cNvPicPr>
-          <p:nvPr/>
-        </p:nvPicPr>
-        <p:blipFill>
-          <a:blip r:embed="rId3">
-            <a:extLst>
-              <a:ext uri="{28A0092B-C50C-407E-A947-70E740481C1C}">
-                <a14:useLocalDpi xmlns:a14="http://schemas.microsoft.com/office/drawing/2010/main" val="0"/>
-              </a:ext>
-            </a:extLst>
-          </a:blip>
-          <a:stretch>
-            <a:fillRect/>
-          </a:stretch>
-        </p:blipFill>
-        <p:spPr>
-          <a:xfrm>
-            <a:off x="6129037" y="4964327"/>
-            <a:ext cx="1866900" cy="685800"/>
-          </a:xfrm>
-          <a:prstGeom prst="rect">
-            <a:avLst/>
-          </a:prstGeom>
-        </p:spPr>
-      </p:pic>
+              <a:t>Opportunity dataset: review</a:t>
+            </a:r>
+          </a:p>
+        </p:txBody>
+      </p:sp>
     </p:spTree>
     <p:extLst>
       <p:ext uri="{BB962C8B-B14F-4D97-AF65-F5344CB8AC3E}">
-        <p14:creationId xmlns:p14="http://schemas.microsoft.com/office/powerpoint/2010/main" val="1257082792"/>
+        <p14:creationId xmlns:p14="http://schemas.microsoft.com/office/powerpoint/2010/main" val="2998302789"/>
       </p:ext>
     </p:extLst>
   </p:cSld>
@@ -9962,7 +8751,7 @@
         </p:nvSpPr>
         <p:spPr>
           <a:xfrm>
-            <a:off x="854475" y="375635"/>
+            <a:off x="802270" y="365124"/>
             <a:ext cx="7886700" cy="1325563"/>
           </a:xfrm>
         </p:spPr>
@@ -9972,226 +8761,20 @@
           <a:p>
             <a:r>
               <a:rPr lang="en-US" b="1" dirty="0"/>
-              <a:t>LBG algorithm</a:t>
-            </a:r>
-          </a:p>
-        </p:txBody>
-      </p:sp>
-      <p:sp>
-        <p:nvSpPr>
-          <p:cNvPr id="7" name="Segnaposto contenuto 10">
-            <a:extLst>
-              <a:ext uri="{FF2B5EF4-FFF2-40B4-BE49-F238E27FC236}">
-                <a16:creationId xmlns:a16="http://schemas.microsoft.com/office/drawing/2014/main" id="{090174C9-DB63-1E46-A753-978DFAAB6A73}"/>
-              </a:ext>
-            </a:extLst>
-          </p:cNvPr>
-          <p:cNvSpPr>
-            <a:spLocks noGrp="1"/>
-          </p:cNvSpPr>
-          <p:nvPr>
-            <p:ph idx="1"/>
-          </p:nvPr>
-        </p:nvSpPr>
-        <p:spPr>
-          <a:xfrm>
-            <a:off x="1032314" y="1480850"/>
-            <a:ext cx="6963623" cy="4781549"/>
-          </a:xfrm>
-        </p:spPr>
-        <p:txBody>
-          <a:bodyPr>
-            <a:normAutofit/>
-          </a:bodyPr>
-          <a:lstStyle/>
-          <a:p>
-            <a:pPr>
-              <a:lnSpc>
-                <a:spcPct val="150000"/>
-              </a:lnSpc>
-              <a:buFont typeface="Wingdings" charset="2"/>
-              <a:buChar char="§"/>
-            </a:pPr>
-            <a:r>
-              <a:rPr lang="en-US" dirty="0">
-                <a:latin typeface="+mj-lt"/>
-                <a:ea typeface="Fira Sans Light" charset="0"/>
-                <a:cs typeface="Fira Sans Light" charset="0"/>
-              </a:rPr>
-              <a:t>Initialization techniques</a:t>
-            </a:r>
-          </a:p>
-          <a:p>
-            <a:pPr lvl="1">
-              <a:lnSpc>
-                <a:spcPct val="150000"/>
-              </a:lnSpc>
-              <a:buFont typeface="Wingdings" charset="2"/>
-              <a:buChar char="§"/>
-            </a:pPr>
-            <a:r>
-              <a:rPr lang="en-US" dirty="0">
-                <a:latin typeface="+mj-lt"/>
-                <a:ea typeface="Fira Sans Light" charset="0"/>
-                <a:cs typeface="Fira Sans Light" charset="0"/>
-              </a:rPr>
-              <a:t>Random </a:t>
-            </a:r>
-          </a:p>
-          <a:p>
-            <a:pPr lvl="1">
-              <a:lnSpc>
-                <a:spcPct val="150000"/>
-              </a:lnSpc>
-              <a:buFont typeface="Wingdings" charset="2"/>
-              <a:buChar char="§"/>
-            </a:pPr>
-            <a:r>
-              <a:rPr lang="en-US" dirty="0">
-                <a:latin typeface="+mj-lt"/>
-                <a:ea typeface="Fira Sans Light" charset="0"/>
-                <a:cs typeface="Fira Sans Light" charset="0"/>
-              </a:rPr>
-              <a:t>Splitting</a:t>
-            </a:r>
-          </a:p>
-          <a:p>
-            <a:pPr>
-              <a:lnSpc>
-                <a:spcPct val="150000"/>
-              </a:lnSpc>
-              <a:buFont typeface="Wingdings" charset="2"/>
-              <a:buChar char="§"/>
-            </a:pPr>
-            <a:r>
-              <a:rPr lang="en-US" dirty="0">
-                <a:latin typeface="+mj-lt"/>
-                <a:ea typeface="Fira Sans Light" charset="0"/>
-                <a:cs typeface="Fira Sans Light" charset="0"/>
-              </a:rPr>
-              <a:t>Empty cell problem</a:t>
-            </a:r>
-          </a:p>
-          <a:p>
-            <a:pPr lvl="1">
-              <a:lnSpc>
-                <a:spcPct val="150000"/>
-              </a:lnSpc>
-              <a:buFont typeface="Wingdings" charset="2"/>
-              <a:buChar char="§"/>
-            </a:pPr>
-            <a:r>
-              <a:rPr lang="en-US" dirty="0">
-                <a:latin typeface="+mj-lt"/>
-                <a:ea typeface="Fira Sans Light" charset="0"/>
-                <a:cs typeface="Fira Sans Light" charset="0"/>
-              </a:rPr>
-              <a:t>Region with highest cardinality</a:t>
-            </a:r>
-            <a:endParaRPr lang="en-US" dirty="0">
-              <a:ea typeface="Fira Sans Light" charset="0"/>
-              <a:cs typeface="Fira Sans Light" charset="0"/>
-            </a:endParaRPr>
-          </a:p>
-          <a:p>
-            <a:pPr lvl="1">
-              <a:lnSpc>
-                <a:spcPct val="150000"/>
-              </a:lnSpc>
-              <a:buFont typeface="Wingdings" charset="2"/>
-              <a:buChar char="§"/>
-            </a:pPr>
-            <a:r>
-              <a:rPr lang="en-US" dirty="0">
-                <a:latin typeface="+mj-lt"/>
-                <a:ea typeface="Fira Sans Light" charset="0"/>
-                <a:cs typeface="Fira Sans Light" charset="0"/>
-              </a:rPr>
-              <a:t>Or region with highest distortion</a:t>
-            </a:r>
-          </a:p>
-          <a:p>
-            <a:pPr>
-              <a:lnSpc>
-                <a:spcPct val="150000"/>
-              </a:lnSpc>
-              <a:buFont typeface="Wingdings" charset="2"/>
-              <a:buChar char="§"/>
-            </a:pPr>
-            <a:endParaRPr lang="en-US" dirty="0">
-              <a:latin typeface="+mj-lt"/>
-              <a:ea typeface="Fira Sans Light" charset="0"/>
-              <a:cs typeface="Fira Sans Light" charset="0"/>
-            </a:endParaRPr>
-          </a:p>
-          <a:p>
-            <a:pPr marL="0" indent="0">
-              <a:lnSpc>
-                <a:spcPct val="150000"/>
-              </a:lnSpc>
-              <a:buNone/>
-            </a:pPr>
-            <a:endParaRPr lang="en-US" sz="2800" dirty="0">
-              <a:latin typeface="+mj-lt"/>
-              <a:ea typeface="Fira Sans Light" charset="0"/>
-              <a:cs typeface="Fira Sans Light" charset="0"/>
-            </a:endParaRPr>
-          </a:p>
-          <a:p>
-            <a:pPr marL="0" indent="0">
-              <a:lnSpc>
-                <a:spcPct val="150000"/>
-              </a:lnSpc>
-              <a:buNone/>
-            </a:pPr>
-            <a:endParaRPr lang="en-US" sz="2800" dirty="0">
-              <a:latin typeface="+mj-lt"/>
-              <a:ea typeface="Fira Sans Light" charset="0"/>
-              <a:cs typeface="Fira Sans Light" charset="0"/>
-            </a:endParaRPr>
-          </a:p>
-        </p:txBody>
-      </p:sp>
-      <p:pic>
-        <p:nvPicPr>
-          <p:cNvPr id="8" name="Picture 7">
-            <a:extLst>
-              <a:ext uri="{FF2B5EF4-FFF2-40B4-BE49-F238E27FC236}">
-                <a16:creationId xmlns:a16="http://schemas.microsoft.com/office/drawing/2014/main" id="{CBC5E9F8-8159-F14B-BCDA-7E3FD44F0AC3}"/>
-              </a:ext>
-            </a:extLst>
-          </p:cNvPr>
-          <p:cNvPicPr>
-            <a:picLocks noChangeAspect="1"/>
-          </p:cNvPicPr>
-          <p:nvPr/>
-        </p:nvPicPr>
-        <p:blipFill>
-          <a:blip r:embed="rId2">
-            <a:extLst>
-              <a:ext uri="{28A0092B-C50C-407E-A947-70E740481C1C}">
-                <a14:useLocalDpi xmlns:a14="http://schemas.microsoft.com/office/drawing/2010/main" val="0"/>
-              </a:ext>
-            </a:extLst>
-          </a:blip>
-          <a:stretch>
-            <a:fillRect/>
-          </a:stretch>
-        </p:blipFill>
-        <p:spPr>
-          <a:xfrm>
-            <a:off x="3383949" y="2971285"/>
-            <a:ext cx="4611988" cy="414466"/>
-          </a:xfrm>
-          <a:prstGeom prst="rect">
-            <a:avLst/>
-          </a:prstGeom>
-        </p:spPr>
-      </p:pic>
+              <a:t>Opportunity dataset: </a:t>
+            </a:r>
+            <a:r>
+              <a:rPr lang="en-US" b="1" dirty="0" err="1"/>
+              <a:t>evalutation</a:t>
+            </a:r>
+            <a:endParaRPr lang="en-US" b="1" dirty="0"/>
+          </a:p>
+        </p:txBody>
+      </p:sp>
     </p:spTree>
     <p:extLst>
       <p:ext uri="{BB962C8B-B14F-4D97-AF65-F5344CB8AC3E}">
-        <p14:creationId xmlns:p14="http://schemas.microsoft.com/office/powerpoint/2010/main" val="1715996916"/>
+        <p14:creationId xmlns:p14="http://schemas.microsoft.com/office/powerpoint/2010/main" val="3771560176"/>
       </p:ext>
     </p:extLst>
   </p:cSld>
@@ -10230,7 +8813,7 @@
         </p:nvSpPr>
         <p:spPr>
           <a:xfrm>
-            <a:off x="817494" y="282609"/>
+            <a:off x="854475" y="375635"/>
             <a:ext cx="7886700" cy="1325563"/>
           </a:xfrm>
         </p:spPr>
@@ -10240,463 +8823,7 @@
           <a:p>
             <a:r>
               <a:rPr lang="en-US" b="1" dirty="0"/>
-              <a:t>Performance analysis: SPLITTING</a:t>
-            </a:r>
-          </a:p>
-        </p:txBody>
-      </p:sp>
-      <p:pic>
-        <p:nvPicPr>
-          <p:cNvPr id="14" name="Picture 13">
-            <a:extLst>
-              <a:ext uri="{FF2B5EF4-FFF2-40B4-BE49-F238E27FC236}">
-                <a16:creationId xmlns:a16="http://schemas.microsoft.com/office/drawing/2014/main" id="{04077F54-0A81-A14E-9164-6650930965CB}"/>
-              </a:ext>
-            </a:extLst>
-          </p:cNvPr>
-          <p:cNvPicPr preferRelativeResize="0">
-            <a:picLocks/>
-          </p:cNvPicPr>
-          <p:nvPr/>
-        </p:nvPicPr>
-        <p:blipFill>
-          <a:blip r:embed="rId3">
-            <a:extLst>
-              <a:ext uri="{28A0092B-C50C-407E-A947-70E740481C1C}">
-                <a14:useLocalDpi xmlns:a14="http://schemas.microsoft.com/office/drawing/2010/main" val="0"/>
-              </a:ext>
-            </a:extLst>
-          </a:blip>
-          <a:stretch>
-            <a:fillRect/>
-          </a:stretch>
-        </p:blipFill>
-        <p:spPr>
-          <a:xfrm>
-            <a:off x="907535" y="1341244"/>
-            <a:ext cx="2304000" cy="2304000"/>
-          </a:xfrm>
-          <a:prstGeom prst="rect">
-            <a:avLst/>
-          </a:prstGeom>
-        </p:spPr>
-      </p:pic>
-      <p:sp>
-        <p:nvSpPr>
-          <p:cNvPr id="15" name="TextBox 14">
-            <a:extLst>
-              <a:ext uri="{FF2B5EF4-FFF2-40B4-BE49-F238E27FC236}">
-                <a16:creationId xmlns:a16="http://schemas.microsoft.com/office/drawing/2014/main" id="{01176D24-195F-C545-9D18-A3D9335A4A7E}"/>
-              </a:ext>
-            </a:extLst>
-          </p:cNvPr>
-          <p:cNvSpPr txBox="1"/>
-          <p:nvPr/>
-        </p:nvSpPr>
-        <p:spPr>
-          <a:xfrm>
-            <a:off x="907535" y="3645244"/>
-            <a:ext cx="2255794" cy="307777"/>
-          </a:xfrm>
-          <a:prstGeom prst="rect">
-            <a:avLst/>
-          </a:prstGeom>
-          <a:noFill/>
-        </p:spPr>
-        <p:txBody>
-          <a:bodyPr wrap="square" rtlCol="0">
-            <a:spAutoFit/>
-          </a:bodyPr>
-          <a:lstStyle/>
-          <a:p>
-            <a:pPr algn="ctr"/>
-            <a:r>
-              <a:rPr lang="it-IT" sz="1400" dirty="0" err="1"/>
-              <a:t>Ep</a:t>
-            </a:r>
-            <a:r>
-              <a:rPr lang="it-IT" sz="1400" dirty="0"/>
-              <a:t> = 0.1 PSNR = 30.331</a:t>
-            </a:r>
-          </a:p>
-        </p:txBody>
-      </p:sp>
-      <p:pic>
-        <p:nvPicPr>
-          <p:cNvPr id="17" name="Picture 16">
-            <a:extLst>
-              <a:ext uri="{FF2B5EF4-FFF2-40B4-BE49-F238E27FC236}">
-                <a16:creationId xmlns:a16="http://schemas.microsoft.com/office/drawing/2014/main" id="{4E9D3245-D657-0F4D-8AE6-67B527DCDFC9}"/>
-              </a:ext>
-            </a:extLst>
-          </p:cNvPr>
-          <p:cNvPicPr>
-            <a:picLocks noChangeAspect="1"/>
-          </p:cNvPicPr>
-          <p:nvPr/>
-        </p:nvPicPr>
-        <p:blipFill>
-          <a:blip r:embed="rId4">
-            <a:extLst>
-              <a:ext uri="{28A0092B-C50C-407E-A947-70E740481C1C}">
-                <a14:useLocalDpi xmlns:a14="http://schemas.microsoft.com/office/drawing/2010/main" val="0"/>
-              </a:ext>
-            </a:extLst>
-          </a:blip>
-          <a:stretch>
-            <a:fillRect/>
-          </a:stretch>
-        </p:blipFill>
-        <p:spPr>
-          <a:xfrm>
-            <a:off x="3608844" y="1341244"/>
-            <a:ext cx="2304000" cy="2304000"/>
-          </a:xfrm>
-          <a:prstGeom prst="rect">
-            <a:avLst/>
-          </a:prstGeom>
-        </p:spPr>
-      </p:pic>
-      <p:pic>
-        <p:nvPicPr>
-          <p:cNvPr id="19" name="Picture 18">
-            <a:extLst>
-              <a:ext uri="{FF2B5EF4-FFF2-40B4-BE49-F238E27FC236}">
-                <a16:creationId xmlns:a16="http://schemas.microsoft.com/office/drawing/2014/main" id="{62715A01-CCEC-5F49-9CB8-7FC7AF8CCA89}"/>
-              </a:ext>
-            </a:extLst>
-          </p:cNvPr>
-          <p:cNvPicPr>
-            <a:picLocks noChangeAspect="1"/>
-          </p:cNvPicPr>
-          <p:nvPr/>
-        </p:nvPicPr>
-        <p:blipFill>
-          <a:blip r:embed="rId5">
-            <a:extLst>
-              <a:ext uri="{28A0092B-C50C-407E-A947-70E740481C1C}">
-                <a14:useLocalDpi xmlns:a14="http://schemas.microsoft.com/office/drawing/2010/main" val="0"/>
-              </a:ext>
-            </a:extLst>
-          </a:blip>
-          <a:stretch>
-            <a:fillRect/>
-          </a:stretch>
-        </p:blipFill>
-        <p:spPr>
-          <a:xfrm>
-            <a:off x="6310153" y="1341244"/>
-            <a:ext cx="2304000" cy="2304000"/>
-          </a:xfrm>
-          <a:prstGeom prst="rect">
-            <a:avLst/>
-          </a:prstGeom>
-        </p:spPr>
-      </p:pic>
-      <p:sp>
-        <p:nvSpPr>
-          <p:cNvPr id="20" name="TextBox 19">
-            <a:extLst>
-              <a:ext uri="{FF2B5EF4-FFF2-40B4-BE49-F238E27FC236}">
-                <a16:creationId xmlns:a16="http://schemas.microsoft.com/office/drawing/2014/main" id="{95D621A3-5271-884C-B790-A58AFD48D3AD}"/>
-              </a:ext>
-            </a:extLst>
-          </p:cNvPr>
-          <p:cNvSpPr txBox="1"/>
-          <p:nvPr/>
-        </p:nvSpPr>
-        <p:spPr>
-          <a:xfrm>
-            <a:off x="3632947" y="3645244"/>
-            <a:ext cx="2255794" cy="307777"/>
-          </a:xfrm>
-          <a:prstGeom prst="rect">
-            <a:avLst/>
-          </a:prstGeom>
-          <a:noFill/>
-        </p:spPr>
-        <p:txBody>
-          <a:bodyPr wrap="square" rtlCol="0">
-            <a:spAutoFit/>
-          </a:bodyPr>
-          <a:lstStyle/>
-          <a:p>
-            <a:pPr algn="ctr"/>
-            <a:r>
-              <a:rPr lang="it-IT" sz="1400" dirty="0" err="1"/>
-              <a:t>Ep</a:t>
-            </a:r>
-            <a:r>
-              <a:rPr lang="it-IT" sz="1400" dirty="0"/>
-              <a:t> = 0.01 PSNR = 30.593</a:t>
-            </a:r>
-          </a:p>
-        </p:txBody>
-      </p:sp>
-      <p:sp>
-        <p:nvSpPr>
-          <p:cNvPr id="21" name="TextBox 20">
-            <a:extLst>
-              <a:ext uri="{FF2B5EF4-FFF2-40B4-BE49-F238E27FC236}">
-                <a16:creationId xmlns:a16="http://schemas.microsoft.com/office/drawing/2014/main" id="{F0516A5D-6863-5240-8E43-8F09586219EC}"/>
-              </a:ext>
-            </a:extLst>
-          </p:cNvPr>
-          <p:cNvSpPr txBox="1"/>
-          <p:nvPr/>
-        </p:nvSpPr>
-        <p:spPr>
-          <a:xfrm>
-            <a:off x="6382462" y="3645243"/>
-            <a:ext cx="2255794" cy="307777"/>
-          </a:xfrm>
-          <a:prstGeom prst="rect">
-            <a:avLst/>
-          </a:prstGeom>
-          <a:noFill/>
-        </p:spPr>
-        <p:txBody>
-          <a:bodyPr wrap="square" rtlCol="0">
-            <a:spAutoFit/>
-          </a:bodyPr>
-          <a:lstStyle/>
-          <a:p>
-            <a:pPr algn="ctr"/>
-            <a:r>
-              <a:rPr lang="it-IT" sz="1400" dirty="0" err="1"/>
-              <a:t>Ep</a:t>
-            </a:r>
-            <a:r>
-              <a:rPr lang="it-IT" sz="1400" dirty="0"/>
-              <a:t> = 0.001 PSNR = 30.824</a:t>
-            </a:r>
-          </a:p>
-        </p:txBody>
-      </p:sp>
-      <p:pic>
-        <p:nvPicPr>
-          <p:cNvPr id="23" name="Picture 22">
-            <a:extLst>
-              <a:ext uri="{FF2B5EF4-FFF2-40B4-BE49-F238E27FC236}">
-                <a16:creationId xmlns:a16="http://schemas.microsoft.com/office/drawing/2014/main" id="{C4F25B37-BC4B-8A47-864F-4E68BE2A6320}"/>
-              </a:ext>
-            </a:extLst>
-          </p:cNvPr>
-          <p:cNvPicPr>
-            <a:picLocks noChangeAspect="1"/>
-          </p:cNvPicPr>
-          <p:nvPr/>
-        </p:nvPicPr>
-        <p:blipFill>
-          <a:blip r:embed="rId6">
-            <a:extLst>
-              <a:ext uri="{28A0092B-C50C-407E-A947-70E740481C1C}">
-                <a14:useLocalDpi xmlns:a14="http://schemas.microsoft.com/office/drawing/2010/main" val="0"/>
-              </a:ext>
-            </a:extLst>
-          </a:blip>
-          <a:stretch>
-            <a:fillRect/>
-          </a:stretch>
-        </p:blipFill>
-        <p:spPr>
-          <a:xfrm>
-            <a:off x="907535" y="4005234"/>
-            <a:ext cx="2304000" cy="2304000"/>
-          </a:xfrm>
-          <a:prstGeom prst="rect">
-            <a:avLst/>
-          </a:prstGeom>
-        </p:spPr>
-      </p:pic>
-      <p:pic>
-        <p:nvPicPr>
-          <p:cNvPr id="25" name="Picture 24">
-            <a:extLst>
-              <a:ext uri="{FF2B5EF4-FFF2-40B4-BE49-F238E27FC236}">
-                <a16:creationId xmlns:a16="http://schemas.microsoft.com/office/drawing/2014/main" id="{788ED537-6788-4E44-95A7-14D1534112BE}"/>
-              </a:ext>
-            </a:extLst>
-          </p:cNvPr>
-          <p:cNvPicPr>
-            <a:picLocks noChangeAspect="1"/>
-          </p:cNvPicPr>
-          <p:nvPr/>
-        </p:nvPicPr>
-        <p:blipFill>
-          <a:blip r:embed="rId7">
-            <a:extLst>
-              <a:ext uri="{28A0092B-C50C-407E-A947-70E740481C1C}">
-                <a14:useLocalDpi xmlns:a14="http://schemas.microsoft.com/office/drawing/2010/main" val="0"/>
-              </a:ext>
-            </a:extLst>
-          </a:blip>
-          <a:stretch>
-            <a:fillRect/>
-          </a:stretch>
-        </p:blipFill>
-        <p:spPr>
-          <a:xfrm>
-            <a:off x="3632947" y="4005234"/>
-            <a:ext cx="2304000" cy="2304000"/>
-          </a:xfrm>
-          <a:prstGeom prst="rect">
-            <a:avLst/>
-          </a:prstGeom>
-        </p:spPr>
-      </p:pic>
-      <p:pic>
-        <p:nvPicPr>
-          <p:cNvPr id="27" name="Picture 26">
-            <a:extLst>
-              <a:ext uri="{FF2B5EF4-FFF2-40B4-BE49-F238E27FC236}">
-                <a16:creationId xmlns:a16="http://schemas.microsoft.com/office/drawing/2014/main" id="{C7E0BC08-CCA3-2D48-B051-C8509B289B7A}"/>
-              </a:ext>
-            </a:extLst>
-          </p:cNvPr>
-          <p:cNvPicPr>
-            <a:picLocks noChangeAspect="1"/>
-          </p:cNvPicPr>
-          <p:nvPr/>
-        </p:nvPicPr>
-        <p:blipFill>
-          <a:blip r:embed="rId8">
-            <a:extLst>
-              <a:ext uri="{28A0092B-C50C-407E-A947-70E740481C1C}">
-                <a14:useLocalDpi xmlns:a14="http://schemas.microsoft.com/office/drawing/2010/main" val="0"/>
-              </a:ext>
-            </a:extLst>
-          </a:blip>
-          <a:stretch>
-            <a:fillRect/>
-          </a:stretch>
-        </p:blipFill>
-        <p:spPr>
-          <a:xfrm>
-            <a:off x="6334256" y="4005234"/>
-            <a:ext cx="2304000" cy="2304000"/>
-          </a:xfrm>
-          <a:prstGeom prst="rect">
-            <a:avLst/>
-          </a:prstGeom>
-        </p:spPr>
-      </p:pic>
-      <p:sp>
-        <p:nvSpPr>
-          <p:cNvPr id="28" name="TextBox 27">
-            <a:extLst>
-              <a:ext uri="{FF2B5EF4-FFF2-40B4-BE49-F238E27FC236}">
-                <a16:creationId xmlns:a16="http://schemas.microsoft.com/office/drawing/2014/main" id="{8874B47D-8365-8A43-8E15-BAC49B0D7237}"/>
-              </a:ext>
-            </a:extLst>
-          </p:cNvPr>
-          <p:cNvSpPr txBox="1"/>
-          <p:nvPr/>
-        </p:nvSpPr>
-        <p:spPr>
-          <a:xfrm>
-            <a:off x="926069" y="6309234"/>
-            <a:ext cx="2255794" cy="307777"/>
-          </a:xfrm>
-          <a:prstGeom prst="rect">
-            <a:avLst/>
-          </a:prstGeom>
-          <a:noFill/>
-        </p:spPr>
-        <p:txBody>
-          <a:bodyPr wrap="square" rtlCol="0">
-            <a:spAutoFit/>
-          </a:bodyPr>
-          <a:lstStyle/>
-          <a:p>
-            <a:pPr algn="ctr"/>
-            <a:r>
-              <a:rPr lang="it-IT" sz="1400" dirty="0" err="1"/>
-              <a:t>Ep</a:t>
-            </a:r>
-            <a:r>
-              <a:rPr lang="it-IT" sz="1400" dirty="0"/>
-              <a:t> = 0.1 PSNR = 24.868</a:t>
-            </a:r>
-          </a:p>
-        </p:txBody>
-      </p:sp>
-      <p:sp>
-        <p:nvSpPr>
-          <p:cNvPr id="29" name="TextBox 28">
-            <a:extLst>
-              <a:ext uri="{FF2B5EF4-FFF2-40B4-BE49-F238E27FC236}">
-                <a16:creationId xmlns:a16="http://schemas.microsoft.com/office/drawing/2014/main" id="{BCDDA1F8-BCCB-D445-8571-9775CDA081CE}"/>
-              </a:ext>
-            </a:extLst>
-          </p:cNvPr>
-          <p:cNvSpPr txBox="1"/>
-          <p:nvPr/>
-        </p:nvSpPr>
-        <p:spPr>
-          <a:xfrm>
-            <a:off x="3681153" y="6309233"/>
-            <a:ext cx="2255794" cy="307777"/>
-          </a:xfrm>
-          <a:prstGeom prst="rect">
-            <a:avLst/>
-          </a:prstGeom>
-          <a:noFill/>
-        </p:spPr>
-        <p:txBody>
-          <a:bodyPr wrap="square" rtlCol="0">
-            <a:spAutoFit/>
-          </a:bodyPr>
-          <a:lstStyle/>
-          <a:p>
-            <a:pPr algn="ctr"/>
-            <a:r>
-              <a:rPr lang="it-IT" sz="1400" dirty="0" err="1"/>
-              <a:t>Ep</a:t>
-            </a:r>
-            <a:r>
-              <a:rPr lang="it-IT" sz="1400" dirty="0"/>
-              <a:t> = 0.01 PSNR = 24.991</a:t>
-            </a:r>
-          </a:p>
-        </p:txBody>
-      </p:sp>
-      <p:sp>
-        <p:nvSpPr>
-          <p:cNvPr id="30" name="TextBox 29">
-            <a:extLst>
-              <a:ext uri="{FF2B5EF4-FFF2-40B4-BE49-F238E27FC236}">
-                <a16:creationId xmlns:a16="http://schemas.microsoft.com/office/drawing/2014/main" id="{8DDE956F-A63E-174B-AE08-C1FE4400592F}"/>
-              </a:ext>
-            </a:extLst>
-          </p:cNvPr>
-          <p:cNvSpPr txBox="1"/>
-          <p:nvPr/>
-        </p:nvSpPr>
-        <p:spPr>
-          <a:xfrm>
-            <a:off x="6368504" y="6314840"/>
-            <a:ext cx="2255794" cy="307777"/>
-          </a:xfrm>
-          <a:prstGeom prst="rect">
-            <a:avLst/>
-          </a:prstGeom>
-          <a:noFill/>
-        </p:spPr>
-        <p:txBody>
-          <a:bodyPr wrap="square" rtlCol="0">
-            <a:spAutoFit/>
-          </a:bodyPr>
-          <a:lstStyle/>
-          <a:p>
-            <a:pPr algn="ctr"/>
-            <a:r>
-              <a:rPr lang="it-IT" sz="1400" dirty="0" err="1"/>
-              <a:t>Ep</a:t>
-            </a:r>
-            <a:r>
-              <a:rPr lang="it-IT" sz="1400" dirty="0"/>
-              <a:t> = 0.001 PSNR = 25.269</a:t>
+              <a:t>Architectures: CNN + DENSE</a:t>
             </a:r>
           </a:p>
         </p:txBody>
@@ -10704,7 +8831,7 @@
     </p:spTree>
     <p:extLst>
       <p:ext uri="{BB962C8B-B14F-4D97-AF65-F5344CB8AC3E}">
-        <p14:creationId xmlns:p14="http://schemas.microsoft.com/office/powerpoint/2010/main" val="1061728881"/>
+        <p14:creationId xmlns:p14="http://schemas.microsoft.com/office/powerpoint/2010/main" val="1257082792"/>
       </p:ext>
     </p:extLst>
   </p:cSld>
@@ -10743,7 +8870,7 @@
         </p:nvSpPr>
         <p:spPr>
           <a:xfrm>
-            <a:off x="817494" y="282609"/>
+            <a:off x="854475" y="375635"/>
             <a:ext cx="7886700" cy="1325563"/>
           </a:xfrm>
         </p:spPr>
@@ -10753,463 +8880,7 @@
           <a:p>
             <a:r>
               <a:rPr lang="en-US" b="1" dirty="0"/>
-              <a:t>Performance analysis: RANDOM</a:t>
-            </a:r>
-          </a:p>
-        </p:txBody>
-      </p:sp>
-      <p:pic>
-        <p:nvPicPr>
-          <p:cNvPr id="5" name="Picture 4">
-            <a:extLst>
-              <a:ext uri="{FF2B5EF4-FFF2-40B4-BE49-F238E27FC236}">
-                <a16:creationId xmlns:a16="http://schemas.microsoft.com/office/drawing/2014/main" id="{44810DAA-176D-EE4D-8950-6B32F211B638}"/>
-              </a:ext>
-            </a:extLst>
-          </p:cNvPr>
-          <p:cNvPicPr>
-            <a:picLocks noChangeAspect="1"/>
-          </p:cNvPicPr>
-          <p:nvPr/>
-        </p:nvPicPr>
-        <p:blipFill>
-          <a:blip r:embed="rId3">
-            <a:extLst>
-              <a:ext uri="{28A0092B-C50C-407E-A947-70E740481C1C}">
-                <a14:useLocalDpi xmlns:a14="http://schemas.microsoft.com/office/drawing/2010/main" val="0"/>
-              </a:ext>
-            </a:extLst>
-          </a:blip>
-          <a:stretch>
-            <a:fillRect/>
-          </a:stretch>
-        </p:blipFill>
-        <p:spPr>
-          <a:xfrm>
-            <a:off x="896399" y="1346231"/>
-            <a:ext cx="2304000" cy="2304000"/>
-          </a:xfrm>
-          <a:prstGeom prst="rect">
-            <a:avLst/>
-          </a:prstGeom>
-        </p:spPr>
-      </p:pic>
-      <p:pic>
-        <p:nvPicPr>
-          <p:cNvPr id="9" name="Picture 8">
-            <a:extLst>
-              <a:ext uri="{FF2B5EF4-FFF2-40B4-BE49-F238E27FC236}">
-                <a16:creationId xmlns:a16="http://schemas.microsoft.com/office/drawing/2014/main" id="{916CE747-3652-394A-B1BE-F5615E47C1FE}"/>
-              </a:ext>
-            </a:extLst>
-          </p:cNvPr>
-          <p:cNvPicPr>
-            <a:picLocks noChangeAspect="1"/>
-          </p:cNvPicPr>
-          <p:nvPr/>
-        </p:nvPicPr>
-        <p:blipFill>
-          <a:blip r:embed="rId4">
-            <a:extLst>
-              <a:ext uri="{28A0092B-C50C-407E-A947-70E740481C1C}">
-                <a14:useLocalDpi xmlns:a14="http://schemas.microsoft.com/office/drawing/2010/main" val="0"/>
-              </a:ext>
-            </a:extLst>
-          </a:blip>
-          <a:stretch>
-            <a:fillRect/>
-          </a:stretch>
-        </p:blipFill>
-        <p:spPr>
-          <a:xfrm>
-            <a:off x="3648296" y="1346231"/>
-            <a:ext cx="2304000" cy="2304000"/>
-          </a:xfrm>
-          <a:prstGeom prst="rect">
-            <a:avLst/>
-          </a:prstGeom>
-        </p:spPr>
-      </p:pic>
-      <p:pic>
-        <p:nvPicPr>
-          <p:cNvPr id="13" name="Picture 12">
-            <a:extLst>
-              <a:ext uri="{FF2B5EF4-FFF2-40B4-BE49-F238E27FC236}">
-                <a16:creationId xmlns:a16="http://schemas.microsoft.com/office/drawing/2014/main" id="{A3CCE5D3-F1A3-694B-8D35-988589BEF1CB}"/>
-              </a:ext>
-            </a:extLst>
-          </p:cNvPr>
-          <p:cNvPicPr>
-            <a:picLocks noChangeAspect="1"/>
-          </p:cNvPicPr>
-          <p:nvPr/>
-        </p:nvPicPr>
-        <p:blipFill>
-          <a:blip r:embed="rId5">
-            <a:extLst>
-              <a:ext uri="{28A0092B-C50C-407E-A947-70E740481C1C}">
-                <a14:useLocalDpi xmlns:a14="http://schemas.microsoft.com/office/drawing/2010/main" val="0"/>
-              </a:ext>
-            </a:extLst>
-          </a:blip>
-          <a:stretch>
-            <a:fillRect/>
-          </a:stretch>
-        </p:blipFill>
-        <p:spPr>
-          <a:xfrm>
-            <a:off x="6376091" y="1346231"/>
-            <a:ext cx="2304000" cy="2304000"/>
-          </a:xfrm>
-          <a:prstGeom prst="rect">
-            <a:avLst/>
-          </a:prstGeom>
-        </p:spPr>
-      </p:pic>
-      <p:pic>
-        <p:nvPicPr>
-          <p:cNvPr id="15" name="Picture 14">
-            <a:extLst>
-              <a:ext uri="{FF2B5EF4-FFF2-40B4-BE49-F238E27FC236}">
-                <a16:creationId xmlns:a16="http://schemas.microsoft.com/office/drawing/2014/main" id="{226DF1FB-BA55-0B4E-BCBF-25C7D894CBB0}"/>
-              </a:ext>
-            </a:extLst>
-          </p:cNvPr>
-          <p:cNvPicPr>
-            <a:picLocks noChangeAspect="1"/>
-          </p:cNvPicPr>
-          <p:nvPr/>
-        </p:nvPicPr>
-        <p:blipFill>
-          <a:blip r:embed="rId6">
-            <a:extLst>
-              <a:ext uri="{28A0092B-C50C-407E-A947-70E740481C1C}">
-                <a14:useLocalDpi xmlns:a14="http://schemas.microsoft.com/office/drawing/2010/main" val="0"/>
-              </a:ext>
-            </a:extLst>
-          </a:blip>
-          <a:stretch>
-            <a:fillRect/>
-          </a:stretch>
-        </p:blipFill>
-        <p:spPr>
-          <a:xfrm>
-            <a:off x="896399" y="4005672"/>
-            <a:ext cx="2304000" cy="2304000"/>
-          </a:xfrm>
-          <a:prstGeom prst="rect">
-            <a:avLst/>
-          </a:prstGeom>
-        </p:spPr>
-      </p:pic>
-      <p:sp>
-        <p:nvSpPr>
-          <p:cNvPr id="16" name="TextBox 15">
-            <a:extLst>
-              <a:ext uri="{FF2B5EF4-FFF2-40B4-BE49-F238E27FC236}">
-                <a16:creationId xmlns:a16="http://schemas.microsoft.com/office/drawing/2014/main" id="{4F66789F-AC2B-E946-98C7-0A0EAF310385}"/>
-              </a:ext>
-            </a:extLst>
-          </p:cNvPr>
-          <p:cNvSpPr txBox="1"/>
-          <p:nvPr/>
-        </p:nvSpPr>
-        <p:spPr>
-          <a:xfrm>
-            <a:off x="944605" y="3640600"/>
-            <a:ext cx="2255794" cy="307777"/>
-          </a:xfrm>
-          <a:prstGeom prst="rect">
-            <a:avLst/>
-          </a:prstGeom>
-          <a:noFill/>
-        </p:spPr>
-        <p:txBody>
-          <a:bodyPr wrap="square" rtlCol="0">
-            <a:spAutoFit/>
-          </a:bodyPr>
-          <a:lstStyle/>
-          <a:p>
-            <a:pPr algn="ctr"/>
-            <a:r>
-              <a:rPr lang="it-IT" sz="1400" dirty="0" err="1"/>
-              <a:t>Ep</a:t>
-            </a:r>
-            <a:r>
-              <a:rPr lang="it-IT" sz="1400" dirty="0"/>
-              <a:t> = 0.1 PSNR = 30.167</a:t>
-            </a:r>
-          </a:p>
-        </p:txBody>
-      </p:sp>
-      <p:sp>
-        <p:nvSpPr>
-          <p:cNvPr id="17" name="TextBox 16">
-            <a:extLst>
-              <a:ext uri="{FF2B5EF4-FFF2-40B4-BE49-F238E27FC236}">
-                <a16:creationId xmlns:a16="http://schemas.microsoft.com/office/drawing/2014/main" id="{C32286BA-EE1B-904D-8C93-19D1AE96ABBA}"/>
-              </a:ext>
-            </a:extLst>
-          </p:cNvPr>
-          <p:cNvSpPr txBox="1"/>
-          <p:nvPr/>
-        </p:nvSpPr>
-        <p:spPr>
-          <a:xfrm>
-            <a:off x="3672399" y="3625486"/>
-            <a:ext cx="2255794" cy="307777"/>
-          </a:xfrm>
-          <a:prstGeom prst="rect">
-            <a:avLst/>
-          </a:prstGeom>
-          <a:noFill/>
-        </p:spPr>
-        <p:txBody>
-          <a:bodyPr wrap="square" rtlCol="0">
-            <a:spAutoFit/>
-          </a:bodyPr>
-          <a:lstStyle/>
-          <a:p>
-            <a:pPr algn="ctr"/>
-            <a:r>
-              <a:rPr lang="it-IT" sz="1400" dirty="0" err="1"/>
-              <a:t>Ep</a:t>
-            </a:r>
-            <a:r>
-              <a:rPr lang="it-IT" sz="1400" dirty="0"/>
-              <a:t> = 0.01 PSNR = 30.565</a:t>
-            </a:r>
-          </a:p>
-        </p:txBody>
-      </p:sp>
-      <p:sp>
-        <p:nvSpPr>
-          <p:cNvPr id="18" name="TextBox 17">
-            <a:extLst>
-              <a:ext uri="{FF2B5EF4-FFF2-40B4-BE49-F238E27FC236}">
-                <a16:creationId xmlns:a16="http://schemas.microsoft.com/office/drawing/2014/main" id="{4F574265-B56C-1C45-B823-DC9BCD566116}"/>
-              </a:ext>
-            </a:extLst>
-          </p:cNvPr>
-          <p:cNvSpPr txBox="1"/>
-          <p:nvPr/>
-        </p:nvSpPr>
-        <p:spPr>
-          <a:xfrm>
-            <a:off x="6424297" y="3625486"/>
-            <a:ext cx="2255794" cy="307777"/>
-          </a:xfrm>
-          <a:prstGeom prst="rect">
-            <a:avLst/>
-          </a:prstGeom>
-          <a:noFill/>
-        </p:spPr>
-        <p:txBody>
-          <a:bodyPr wrap="square" rtlCol="0">
-            <a:spAutoFit/>
-          </a:bodyPr>
-          <a:lstStyle/>
-          <a:p>
-            <a:pPr algn="ctr"/>
-            <a:r>
-              <a:rPr lang="it-IT" sz="1400" dirty="0" err="1"/>
-              <a:t>Ep</a:t>
-            </a:r>
-            <a:r>
-              <a:rPr lang="it-IT" sz="1400" dirty="0"/>
-              <a:t> = 0.001 PSNR = 30.898</a:t>
-            </a:r>
-          </a:p>
-        </p:txBody>
-      </p:sp>
-      <p:pic>
-        <p:nvPicPr>
-          <p:cNvPr id="20" name="Picture 19">
-            <a:extLst>
-              <a:ext uri="{FF2B5EF4-FFF2-40B4-BE49-F238E27FC236}">
-                <a16:creationId xmlns:a16="http://schemas.microsoft.com/office/drawing/2014/main" id="{451F279D-2949-2943-AA66-375404D6D573}"/>
-              </a:ext>
-            </a:extLst>
-          </p:cNvPr>
-          <p:cNvPicPr>
-            <a:picLocks noChangeAspect="1"/>
-          </p:cNvPicPr>
-          <p:nvPr/>
-        </p:nvPicPr>
-        <p:blipFill>
-          <a:blip r:embed="rId7">
-            <a:extLst>
-              <a:ext uri="{28A0092B-C50C-407E-A947-70E740481C1C}">
-                <a14:useLocalDpi xmlns:a14="http://schemas.microsoft.com/office/drawing/2010/main" val="0"/>
-              </a:ext>
-            </a:extLst>
-          </a:blip>
-          <a:stretch>
-            <a:fillRect/>
-          </a:stretch>
-        </p:blipFill>
-        <p:spPr>
-          <a:xfrm>
-            <a:off x="3648295" y="4005672"/>
-            <a:ext cx="2304000" cy="2304000"/>
-          </a:xfrm>
-          <a:prstGeom prst="rect">
-            <a:avLst/>
-          </a:prstGeom>
-        </p:spPr>
-      </p:pic>
-      <p:pic>
-        <p:nvPicPr>
-          <p:cNvPr id="22" name="Picture 21">
-            <a:extLst>
-              <a:ext uri="{FF2B5EF4-FFF2-40B4-BE49-F238E27FC236}">
-                <a16:creationId xmlns:a16="http://schemas.microsoft.com/office/drawing/2014/main" id="{CCF37836-78C6-104A-91B1-B6C696A38D88}"/>
-              </a:ext>
-            </a:extLst>
-          </p:cNvPr>
-          <p:cNvPicPr>
-            <a:picLocks noChangeAspect="1"/>
-          </p:cNvPicPr>
-          <p:nvPr/>
-        </p:nvPicPr>
-        <p:blipFill>
-          <a:blip r:embed="rId8">
-            <a:extLst>
-              <a:ext uri="{28A0092B-C50C-407E-A947-70E740481C1C}">
-                <a14:useLocalDpi xmlns:a14="http://schemas.microsoft.com/office/drawing/2010/main" val="0"/>
-              </a:ext>
-            </a:extLst>
-          </a:blip>
-          <a:stretch>
-            <a:fillRect/>
-          </a:stretch>
-        </p:blipFill>
-        <p:spPr>
-          <a:xfrm>
-            <a:off x="6400194" y="4005672"/>
-            <a:ext cx="2304000" cy="2304000"/>
-          </a:xfrm>
-          <a:prstGeom prst="rect">
-            <a:avLst/>
-          </a:prstGeom>
-        </p:spPr>
-      </p:pic>
-      <p:sp>
-        <p:nvSpPr>
-          <p:cNvPr id="23" name="TextBox 22">
-            <a:extLst>
-              <a:ext uri="{FF2B5EF4-FFF2-40B4-BE49-F238E27FC236}">
-                <a16:creationId xmlns:a16="http://schemas.microsoft.com/office/drawing/2014/main" id="{7B95993F-FFCC-FF47-BEAC-C8B996A122B7}"/>
-              </a:ext>
-            </a:extLst>
-          </p:cNvPr>
-          <p:cNvSpPr txBox="1"/>
-          <p:nvPr/>
-        </p:nvSpPr>
-        <p:spPr>
-          <a:xfrm>
-            <a:off x="944605" y="6290409"/>
-            <a:ext cx="2255794" cy="307777"/>
-          </a:xfrm>
-          <a:prstGeom prst="rect">
-            <a:avLst/>
-          </a:prstGeom>
-          <a:noFill/>
-        </p:spPr>
-        <p:txBody>
-          <a:bodyPr wrap="square" rtlCol="0">
-            <a:spAutoFit/>
-          </a:bodyPr>
-          <a:lstStyle/>
-          <a:p>
-            <a:pPr algn="ctr"/>
-            <a:r>
-              <a:rPr lang="it-IT" sz="1400" dirty="0" err="1"/>
-              <a:t>Ep</a:t>
-            </a:r>
-            <a:r>
-              <a:rPr lang="it-IT" sz="1400" dirty="0"/>
-              <a:t> = 0.1 PSNR = 24.861</a:t>
-            </a:r>
-          </a:p>
-        </p:txBody>
-      </p:sp>
-      <p:sp>
-        <p:nvSpPr>
-          <p:cNvPr id="24" name="TextBox 23">
-            <a:extLst>
-              <a:ext uri="{FF2B5EF4-FFF2-40B4-BE49-F238E27FC236}">
-                <a16:creationId xmlns:a16="http://schemas.microsoft.com/office/drawing/2014/main" id="{0700D044-EC46-284E-A04B-9E8EE137BAA1}"/>
-              </a:ext>
-            </a:extLst>
-          </p:cNvPr>
-          <p:cNvSpPr txBox="1"/>
-          <p:nvPr/>
-        </p:nvSpPr>
-        <p:spPr>
-          <a:xfrm>
-            <a:off x="3696503" y="6290409"/>
-            <a:ext cx="2255794" cy="307777"/>
-          </a:xfrm>
-          <a:prstGeom prst="rect">
-            <a:avLst/>
-          </a:prstGeom>
-          <a:noFill/>
-        </p:spPr>
-        <p:txBody>
-          <a:bodyPr wrap="square" rtlCol="0">
-            <a:spAutoFit/>
-          </a:bodyPr>
-          <a:lstStyle/>
-          <a:p>
-            <a:pPr algn="ctr"/>
-            <a:r>
-              <a:rPr lang="it-IT" sz="1400" dirty="0" err="1"/>
-              <a:t>Ep</a:t>
-            </a:r>
-            <a:r>
-              <a:rPr lang="it-IT" sz="1400" dirty="0"/>
-              <a:t> = 0.01 PSNR = 25.041</a:t>
-            </a:r>
-          </a:p>
-        </p:txBody>
-      </p:sp>
-      <p:sp>
-        <p:nvSpPr>
-          <p:cNvPr id="25" name="TextBox 24">
-            <a:extLst>
-              <a:ext uri="{FF2B5EF4-FFF2-40B4-BE49-F238E27FC236}">
-                <a16:creationId xmlns:a16="http://schemas.microsoft.com/office/drawing/2014/main" id="{FD247A5F-5577-3D4A-8E4A-3689F8D24139}"/>
-              </a:ext>
-            </a:extLst>
-          </p:cNvPr>
-          <p:cNvSpPr txBox="1"/>
-          <p:nvPr/>
-        </p:nvSpPr>
-        <p:spPr>
-          <a:xfrm>
-            <a:off x="6400193" y="6309672"/>
-            <a:ext cx="2255794" cy="307777"/>
-          </a:xfrm>
-          <a:prstGeom prst="rect">
-            <a:avLst/>
-          </a:prstGeom>
-          <a:noFill/>
-        </p:spPr>
-        <p:txBody>
-          <a:bodyPr wrap="square" rtlCol="0">
-            <a:spAutoFit/>
-          </a:bodyPr>
-          <a:lstStyle/>
-          <a:p>
-            <a:pPr algn="ctr"/>
-            <a:r>
-              <a:rPr lang="it-IT" sz="1400" dirty="0" err="1"/>
-              <a:t>Ep</a:t>
-            </a:r>
-            <a:r>
-              <a:rPr lang="it-IT" sz="1400" dirty="0"/>
-              <a:t> = 0.001 PSNR = 25.35</a:t>
+              <a:t>Architectures: CNN + LSTM</a:t>
             </a:r>
           </a:p>
         </p:txBody>
@@ -11217,7 +8888,7 @@
     </p:spTree>
     <p:extLst>
       <p:ext uri="{BB962C8B-B14F-4D97-AF65-F5344CB8AC3E}">
-        <p14:creationId xmlns:p14="http://schemas.microsoft.com/office/powerpoint/2010/main" val="215130280"/>
+        <p14:creationId xmlns:p14="http://schemas.microsoft.com/office/powerpoint/2010/main" val="1985980565"/>
       </p:ext>
     </p:extLst>
   </p:cSld>
